--- a/CovidTextClassifier.pptx
+++ b/CovidTextClassifier.pptx
@@ -25,6 +25,7 @@
     <p:sldId id="272" r:id="rId20"/>
     <p:sldId id="273" r:id="rId21"/>
     <p:sldId id="274" r:id="rId22"/>
+    <p:sldId id="275" r:id="rId23"/>
   </p:sldIdLst>
   <p:sldSz cx="10080625" cy="5670550"/>
   <p:notesSz cx="7559675" cy="10691812"/>
@@ -2773,7 +2774,7 @@
         <p:spPr>
           <a:xfrm>
             <a:off x="0" y="0"/>
-            <a:ext cx="10085040" cy="5669280"/>
+            <a:ext cx="10084680" cy="5668920"/>
           </a:xfrm>
           <a:prstGeom prst="rect">
             <a:avLst/>
@@ -2795,8 +2796,8 @@
         </p:nvSpPr>
         <p:spPr>
           <a:xfrm>
-            <a:off x="1620000" y="216000"/>
-            <a:ext cx="8099280" cy="935280"/>
+            <a:off x="504000" y="226080"/>
+            <a:ext cx="9072000" cy="946440"/>
           </a:xfrm>
           <a:prstGeom prst="rect">
             <a:avLst/>
@@ -2807,13 +2808,14 @@
             <a:noAutofit/>
           </a:bodyPr>
           <a:p>
-            <a:r>
-              <a:rPr b="0" lang="en-AU" sz="1800" spc="-1" strike="noStrike">
+            <a:pPr algn="ctr"/>
+            <a:r>
+              <a:rPr b="0" lang="en-AU" sz="4400" spc="-1" strike="noStrike">
                 <a:latin typeface="Arial"/>
               </a:rPr>
               <a:t>Click to edit the title text format</a:t>
             </a:r>
-            <a:endParaRPr b="0" lang="en-AU" sz="1800" spc="-1" strike="noStrike">
+            <a:endParaRPr b="0" lang="en-AU" sz="4400" spc="-1" strike="noStrike">
               <a:latin typeface="Arial"/>
             </a:endParaRPr>
           </a:p>
@@ -2831,8 +2833,8 @@
         </p:nvSpPr>
         <p:spPr>
           <a:xfrm>
-            <a:off x="1620000" y="1368000"/>
-            <a:ext cx="8099280" cy="3287520"/>
+            <a:off x="504000" y="1326600"/>
+            <a:ext cx="9072000" cy="3288600"/>
           </a:xfrm>
           <a:prstGeom prst="rect">
             <a:avLst/>
@@ -2855,12 +2857,12 @@
               <a:buChar char=""/>
             </a:pPr>
             <a:r>
-              <a:rPr b="0" lang="en-AU" sz="1800" spc="-1" strike="noStrike">
+              <a:rPr b="0" lang="en-AU" sz="3200" spc="-1" strike="noStrike">
                 <a:latin typeface="Arial"/>
               </a:rPr>
               <a:t>Click to edit the outline text format</a:t>
             </a:r>
-            <a:endParaRPr b="0" lang="en-AU" sz="1800" spc="-1" strike="noStrike">
+            <a:endParaRPr b="0" lang="en-AU" sz="3200" spc="-1" strike="noStrike">
               <a:latin typeface="Arial"/>
             </a:endParaRPr>
           </a:p>
@@ -2877,12 +2879,12 @@
               <a:buChar char=""/>
             </a:pPr>
             <a:r>
-              <a:rPr b="0" lang="en-AU" sz="1800" spc="-1" strike="noStrike">
+              <a:rPr b="0" lang="en-AU" sz="2800" spc="-1" strike="noStrike">
                 <a:latin typeface="Arial"/>
               </a:rPr>
               <a:t>Second Outline Level</a:t>
             </a:r>
-            <a:endParaRPr b="0" lang="en-AU" sz="1800" spc="-1" strike="noStrike">
+            <a:endParaRPr b="0" lang="en-AU" sz="2800" spc="-1" strike="noStrike">
               <a:latin typeface="Arial"/>
             </a:endParaRPr>
           </a:p>
@@ -2899,12 +2901,12 @@
               <a:buChar char=""/>
             </a:pPr>
             <a:r>
-              <a:rPr b="0" lang="en-AU" sz="1800" spc="-1" strike="noStrike">
+              <a:rPr b="0" lang="en-AU" sz="2400" spc="-1" strike="noStrike">
                 <a:latin typeface="Arial"/>
               </a:rPr>
               <a:t>Third Outline Level</a:t>
             </a:r>
-            <a:endParaRPr b="0" lang="en-AU" sz="1800" spc="-1" strike="noStrike">
+            <a:endParaRPr b="0" lang="en-AU" sz="2400" spc="-1" strike="noStrike">
               <a:latin typeface="Arial"/>
             </a:endParaRPr>
           </a:p>
@@ -2921,12 +2923,12 @@
               <a:buChar char=""/>
             </a:pPr>
             <a:r>
-              <a:rPr b="0" lang="en-AU" sz="1800" spc="-1" strike="noStrike">
+              <a:rPr b="0" lang="en-AU" sz="2000" spc="-1" strike="noStrike">
                 <a:latin typeface="Arial"/>
               </a:rPr>
               <a:t>Fourth Outline Level</a:t>
             </a:r>
-            <a:endParaRPr b="0" lang="en-AU" sz="1800" spc="-1" strike="noStrike">
+            <a:endParaRPr b="0" lang="en-AU" sz="2000" spc="-1" strike="noStrike">
               <a:latin typeface="Arial"/>
             </a:endParaRPr>
           </a:p>
@@ -2943,12 +2945,12 @@
               <a:buChar char=""/>
             </a:pPr>
             <a:r>
-              <a:rPr b="0" lang="en-AU" sz="1800" spc="-1" strike="noStrike">
+              <a:rPr b="0" lang="en-AU" sz="2000" spc="-1" strike="noStrike">
                 <a:latin typeface="Arial"/>
               </a:rPr>
               <a:t>Fifth Outline Level</a:t>
             </a:r>
-            <a:endParaRPr b="0" lang="en-AU" sz="1800" spc="-1" strike="noStrike">
+            <a:endParaRPr b="0" lang="en-AU" sz="2000" spc="-1" strike="noStrike">
               <a:latin typeface="Arial"/>
             </a:endParaRPr>
           </a:p>
@@ -2965,12 +2967,12 @@
               <a:buChar char=""/>
             </a:pPr>
             <a:r>
-              <a:rPr b="0" lang="en-AU" sz="1800" spc="-1" strike="noStrike">
+              <a:rPr b="0" lang="en-AU" sz="2000" spc="-1" strike="noStrike">
                 <a:latin typeface="Arial"/>
               </a:rPr>
               <a:t>Sixth Outline Level</a:t>
             </a:r>
-            <a:endParaRPr b="0" lang="en-AU" sz="1800" spc="-1" strike="noStrike">
+            <a:endParaRPr b="0" lang="en-AU" sz="2000" spc="-1" strike="noStrike">
               <a:latin typeface="Arial"/>
             </a:endParaRPr>
           </a:p>
@@ -2987,12 +2989,12 @@
               <a:buChar char=""/>
             </a:pPr>
             <a:r>
-              <a:rPr b="0" lang="en-AU" sz="1800" spc="-1" strike="noStrike">
+              <a:rPr b="0" lang="en-AU" sz="2000" spc="-1" strike="noStrike">
                 <a:latin typeface="Arial"/>
               </a:rPr>
               <a:t>Seventh Outline Level</a:t>
             </a:r>
-            <a:endParaRPr b="0" lang="en-AU" sz="1800" spc="-1" strike="noStrike">
+            <a:endParaRPr b="0" lang="en-AU" sz="2000" spc="-1" strike="noStrike">
               <a:latin typeface="Arial"/>
             </a:endParaRPr>
           </a:p>
@@ -3048,7 +3050,7 @@
         <p:spPr>
           <a:xfrm>
             <a:off x="0" y="0"/>
-            <a:ext cx="10085040" cy="5669280"/>
+            <a:ext cx="10084680" cy="5668920"/>
           </a:xfrm>
           <a:prstGeom prst="rect">
             <a:avLst/>
@@ -3320,7 +3322,7 @@
         <p:spPr>
           <a:xfrm>
             <a:off x="1620000" y="216000"/>
-            <a:ext cx="8099280" cy="935280"/>
+            <a:ext cx="8098920" cy="934920"/>
           </a:xfrm>
           <a:prstGeom prst="rect">
             <a:avLst/>
@@ -3371,7 +3373,7 @@
         <p:spPr>
           <a:xfrm>
             <a:off x="1620000" y="1679760"/>
-            <a:ext cx="8099280" cy="3287520"/>
+            <a:ext cx="8098920" cy="3287160"/>
           </a:xfrm>
           <a:prstGeom prst="rect">
             <a:avLst/>
@@ -3401,7 +3403,7 @@
         <p:spPr>
           <a:xfrm>
             <a:off x="4392000" y="1234080"/>
-            <a:ext cx="2289600" cy="4018680"/>
+            <a:ext cx="2289240" cy="4018320"/>
           </a:xfrm>
           <a:prstGeom prst="rect">
             <a:avLst/>
@@ -3450,7 +3452,7 @@
         <p:spPr>
           <a:xfrm>
             <a:off x="1620000" y="216000"/>
-            <a:ext cx="8099280" cy="935280"/>
+            <a:ext cx="8098920" cy="934920"/>
           </a:xfrm>
           <a:prstGeom prst="rect">
             <a:avLst/>
@@ -3501,7 +3503,7 @@
         <p:spPr>
           <a:xfrm>
             <a:off x="1440000" y="1944000"/>
-            <a:ext cx="8099280" cy="3287520"/>
+            <a:ext cx="8098920" cy="3287160"/>
           </a:xfrm>
           <a:prstGeom prst="rect">
             <a:avLst/>
@@ -3522,7 +3524,7 @@
             <a:normAutofit/>
           </a:bodyPr>
           <a:p>
-            <a:pPr marL="432000" indent="-323280">
+            <a:pPr marL="432000" indent="-322920">
               <a:lnSpc>
                 <a:spcPct val="100000"/>
               </a:lnSpc>
@@ -3551,7 +3553,7 @@
             </a:endParaRPr>
           </a:p>
           <a:p>
-            <a:pPr marL="432000" indent="-323280">
+            <a:pPr marL="432000" indent="-322920">
               <a:lnSpc>
                 <a:spcPct val="100000"/>
               </a:lnSpc>
@@ -3580,7 +3582,7 @@
             </a:endParaRPr>
           </a:p>
           <a:p>
-            <a:pPr marL="432000" indent="-323280">
+            <a:pPr marL="432000" indent="-322920">
               <a:lnSpc>
                 <a:spcPct val="100000"/>
               </a:lnSpc>
@@ -3609,7 +3611,7 @@
             </a:endParaRPr>
           </a:p>
           <a:p>
-            <a:pPr lvl="1" marL="864000" indent="-323280">
+            <a:pPr lvl="1" marL="864000" indent="-322920">
               <a:lnSpc>
                 <a:spcPct val="100000"/>
               </a:lnSpc>
@@ -3638,7 +3640,7 @@
             </a:endParaRPr>
           </a:p>
           <a:p>
-            <a:pPr lvl="1" marL="864000" indent="-323280">
+            <a:pPr lvl="1" marL="864000" indent="-322920">
               <a:lnSpc>
                 <a:spcPct val="100000"/>
               </a:lnSpc>
@@ -3667,7 +3669,7 @@
             </a:endParaRPr>
           </a:p>
           <a:p>
-            <a:pPr lvl="1" marL="864000" indent="-323280">
+            <a:pPr lvl="1" marL="864000" indent="-322920">
               <a:lnSpc>
                 <a:spcPct val="100000"/>
               </a:lnSpc>
@@ -3706,7 +3708,7 @@
         <p:spPr>
           <a:xfrm>
             <a:off x="6192000" y="1440000"/>
-            <a:ext cx="968040" cy="315360"/>
+            <a:ext cx="967680" cy="315000"/>
           </a:xfrm>
           <a:prstGeom prst="rect">
             <a:avLst/>
@@ -3757,7 +3759,7 @@
         <p:spPr>
           <a:xfrm>
             <a:off x="5544000" y="1981800"/>
-            <a:ext cx="2519280" cy="681480"/>
+            <a:ext cx="2518920" cy="681120"/>
           </a:xfrm>
           <a:prstGeom prst="rect">
             <a:avLst/>
@@ -3828,7 +3830,7 @@
         <p:spPr>
           <a:xfrm>
             <a:off x="5904000" y="3744000"/>
-            <a:ext cx="2571480" cy="431280"/>
+            <a:ext cx="2571120" cy="430920"/>
           </a:xfrm>
           <a:prstGeom prst="rect">
             <a:avLst/>
@@ -3899,7 +3901,7 @@
         <p:spPr>
           <a:xfrm rot="3724200">
             <a:off x="5865120" y="2430360"/>
-            <a:ext cx="1931040" cy="1114920"/>
+            <a:ext cx="1930680" cy="1114560"/>
           </a:xfrm>
           <a:prstGeom prst="swooshArrow">
             <a:avLst>
@@ -3964,7 +3966,7 @@
         <p:spPr>
           <a:xfrm>
             <a:off x="3060000" y="1368000"/>
-            <a:ext cx="5939280" cy="4228920"/>
+            <a:ext cx="5938920" cy="4228560"/>
           </a:xfrm>
           <a:prstGeom prst="rect">
             <a:avLst/>
@@ -3983,7 +3985,7 @@
         <p:spPr>
           <a:xfrm>
             <a:off x="1620000" y="216000"/>
-            <a:ext cx="8099280" cy="935280"/>
+            <a:ext cx="8098920" cy="934920"/>
           </a:xfrm>
           <a:prstGeom prst="rect">
             <a:avLst/>
@@ -4034,7 +4036,7 @@
         <p:spPr>
           <a:xfrm>
             <a:off x="1584000" y="1103760"/>
-            <a:ext cx="8099280" cy="3287520"/>
+            <a:ext cx="8098920" cy="3287160"/>
           </a:xfrm>
           <a:prstGeom prst="rect">
             <a:avLst/>
@@ -4055,7 +4057,7 @@
             <a:normAutofit/>
           </a:bodyPr>
           <a:p>
-            <a:pPr marL="432000" indent="-323280">
+            <a:pPr marL="432000" indent="-322920">
               <a:lnSpc>
                 <a:spcPct val="100000"/>
               </a:lnSpc>
@@ -4124,7 +4126,7 @@
         <p:spPr>
           <a:xfrm>
             <a:off x="1620000" y="216000"/>
-            <a:ext cx="8099280" cy="935280"/>
+            <a:ext cx="8098920" cy="934920"/>
           </a:xfrm>
           <a:prstGeom prst="rect">
             <a:avLst/>
@@ -4175,7 +4177,7 @@
         <p:spPr>
           <a:xfrm>
             <a:off x="1620000" y="1368000"/>
-            <a:ext cx="8099280" cy="3287520"/>
+            <a:ext cx="8098920" cy="3287160"/>
           </a:xfrm>
           <a:prstGeom prst="rect">
             <a:avLst/>
@@ -4205,7 +4207,7 @@
         <p:spPr>
           <a:xfrm>
             <a:off x="792000" y="1152000"/>
-            <a:ext cx="9287280" cy="4532760"/>
+            <a:ext cx="9286920" cy="4532400"/>
           </a:xfrm>
           <a:prstGeom prst="rect">
             <a:avLst/>
@@ -4224,7 +4226,7 @@
         <p:spPr>
           <a:xfrm>
             <a:off x="1224000" y="3312000"/>
-            <a:ext cx="1871280" cy="345960"/>
+            <a:ext cx="1870920" cy="345600"/>
           </a:xfrm>
           <a:prstGeom prst="rect">
             <a:avLst/>
@@ -4305,7 +4307,7 @@
         <p:spPr>
           <a:xfrm>
             <a:off x="1620000" y="216000"/>
-            <a:ext cx="8099280" cy="935280"/>
+            <a:ext cx="8098920" cy="934920"/>
           </a:xfrm>
           <a:prstGeom prst="rect">
             <a:avLst/>
@@ -4356,7 +4358,7 @@
         <p:spPr>
           <a:xfrm>
             <a:off x="1620000" y="1368000"/>
-            <a:ext cx="8099280" cy="3287520"/>
+            <a:ext cx="8098920" cy="3287160"/>
           </a:xfrm>
           <a:prstGeom prst="rect">
             <a:avLst/>
@@ -4386,7 +4388,7 @@
         <p:spPr>
           <a:xfrm>
             <a:off x="1512000" y="1170360"/>
-            <a:ext cx="8524080" cy="4498920"/>
+            <a:ext cx="8523720" cy="4498560"/>
           </a:xfrm>
           <a:prstGeom prst="rect">
             <a:avLst/>
@@ -4435,7 +4437,7 @@
         <p:spPr>
           <a:xfrm>
             <a:off x="1620000" y="216000"/>
-            <a:ext cx="8099280" cy="935280"/>
+            <a:ext cx="8098920" cy="934920"/>
           </a:xfrm>
           <a:prstGeom prst="rect">
             <a:avLst/>
@@ -4469,7 +4471,7 @@
                 <a:latin typeface="Times New Roman"/>
                 <a:ea typeface="DejaVu Sans"/>
               </a:rPr>
-              <a:t>Model Training</a:t>
+              <a:t>Another Solution to combat the imbalanced data</a:t>
             </a:r>
             <a:endParaRPr b="0" lang="en-AU" sz="3300" spc="-1" strike="noStrike">
               <a:latin typeface="Arial"/>
@@ -4486,7 +4488,7 @@
         <p:spPr>
           <a:xfrm>
             <a:off x="1620000" y="1368000"/>
-            <a:ext cx="8099280" cy="3287520"/>
+            <a:ext cx="8098920" cy="3287160"/>
           </a:xfrm>
           <a:prstGeom prst="rect">
             <a:avLst/>
@@ -4502,109 +4504,17 @@
           <a:effectRef idx="0"/>
           <a:fontRef idx="minor"/>
         </p:style>
-        <p:txBody>
-          <a:bodyPr lIns="0" rIns="0" tIns="0" bIns="0">
-            <a:normAutofit/>
-          </a:bodyPr>
-          <a:p>
-            <a:pPr marL="432000" indent="-323280">
-              <a:lnSpc>
-                <a:spcPct val="100000"/>
-              </a:lnSpc>
-              <a:spcAft>
-                <a:spcPts val="791"/>
-              </a:spcAft>
-              <a:buClr>
-                <a:srgbClr val="0066ff"/>
-              </a:buClr>
-              <a:buSzPct val="40000"/>
-              <a:buFont typeface="Wingdings" charset="2"/>
-              <a:buChar char=""/>
-            </a:pPr>
-            <a:r>
-              <a:rPr b="1" lang="en-AU" sz="1800" spc="-1" strike="noStrike">
-                <a:solidFill>
-                  <a:srgbClr val="050505"/>
-                </a:solidFill>
-                <a:latin typeface="Arial"/>
-                <a:ea typeface="DejaVu Sans"/>
-              </a:rPr>
-              <a:t>Transfer Learning</a:t>
-            </a:r>
-            <a:endParaRPr b="0" lang="en-AU" sz="1800" spc="-1" strike="noStrike">
-              <a:latin typeface="Arial"/>
-            </a:endParaRPr>
-          </a:p>
-          <a:p>
-            <a:pPr marL="432000" indent="-323280">
-              <a:lnSpc>
-                <a:spcPct val="100000"/>
-              </a:lnSpc>
-              <a:spcAft>
-                <a:spcPts val="791"/>
-              </a:spcAft>
-              <a:buClr>
-                <a:srgbClr val="0066ff"/>
-              </a:buClr>
-              <a:buSzPct val="40000"/>
-              <a:buFont typeface="Wingdings" charset="2"/>
-              <a:buChar char=""/>
-            </a:pPr>
-            <a:r>
-              <a:rPr b="0" lang="en-AU" sz="1800" spc="-1" strike="noStrike">
-                <a:solidFill>
-                  <a:srgbClr val="050505"/>
-                </a:solidFill>
-                <a:latin typeface="Arial"/>
-                <a:ea typeface="DejaVu Sans"/>
-              </a:rPr>
-              <a:t>Language Model</a:t>
-            </a:r>
-            <a:endParaRPr b="0" lang="en-AU" sz="1800" spc="-1" strike="noStrike">
-              <a:latin typeface="Arial"/>
-            </a:endParaRPr>
-          </a:p>
-          <a:p>
-            <a:pPr marL="432000" indent="-323280">
-              <a:lnSpc>
-                <a:spcPct val="100000"/>
-              </a:lnSpc>
-              <a:spcAft>
-                <a:spcPts val="791"/>
-              </a:spcAft>
-              <a:buClr>
-                <a:srgbClr val="0066ff"/>
-              </a:buClr>
-              <a:buSzPct val="40000"/>
-              <a:buFont typeface="Wingdings" charset="2"/>
-              <a:buChar char=""/>
-            </a:pPr>
-            <a:r>
-              <a:rPr b="0" lang="en-AU" sz="1800" spc="-1" strike="noStrike">
-                <a:solidFill>
-                  <a:srgbClr val="050505"/>
-                </a:solidFill>
-                <a:latin typeface="Arial"/>
-                <a:ea typeface="DejaVu Sans"/>
-              </a:rPr>
-              <a:t>Text Classification</a:t>
-            </a:r>
-            <a:endParaRPr b="0" lang="en-AU" sz="1800" spc="-1" strike="noStrike">
-              <a:latin typeface="Arial"/>
-            </a:endParaRPr>
-          </a:p>
-        </p:txBody>
       </p:sp>
       <p:sp>
         <p:nvSpPr>
-          <p:cNvPr id="127" name="CustomShape 3"/>
-          <p:cNvSpPr/>
+          <p:cNvPr id="127" name="TextShape 3"/>
+          <p:cNvSpPr txBox="1"/>
           <p:nvPr/>
         </p:nvSpPr>
         <p:spPr>
           <a:xfrm>
-            <a:off x="4752000" y="4560480"/>
-            <a:ext cx="3455280" cy="766800"/>
+            <a:off x="1728000" y="1260000"/>
+            <a:ext cx="7920000" cy="374040"/>
           </a:xfrm>
           <a:prstGeom prst="rect">
             <a:avLst/>
@@ -4614,33 +4524,126 @@
             <a:noFill/>
           </a:ln>
         </p:spPr>
-        <p:style>
-          <a:lnRef idx="0"/>
-          <a:fillRef idx="0"/>
-          <a:effectRef idx="0"/>
-          <a:fontRef idx="minor"/>
-        </p:style>
         <p:txBody>
           <a:bodyPr lIns="90000" rIns="90000" tIns="45000" bIns="45000">
             <a:noAutofit/>
           </a:bodyPr>
           <a:p>
-            <a:pPr>
-              <a:lnSpc>
-                <a:spcPct val="100000"/>
-              </a:lnSpc>
-            </a:pPr>
-            <a:r>
-              <a:rPr b="0" lang="en-AU" sz="1600" spc="-1" strike="noStrike">
-                <a:solidFill>
-                  <a:srgbClr val="000000"/>
-                </a:solidFill>
+            <a:r>
+              <a:rPr b="1" lang="en-AU" sz="1000" spc="-1" strike="noStrike">
                 <a:latin typeface="Arial"/>
-                <a:ea typeface="DejaVu Sans"/>
-              </a:rPr>
-              <a:t>We use all questions even without categories to improve accuracy</a:t>
-            </a:r>
-            <a:endParaRPr b="0" lang="en-AU" sz="1600" spc="-1" strike="noStrike">
+              </a:rPr>
+              <a:t>Another </a:t>
+            </a:r>
+            <a:r>
+              <a:rPr b="1" lang="en-AU" sz="1000" spc="-1" strike="noStrike">
+                <a:latin typeface="Arial"/>
+              </a:rPr>
+              <a:t>solution to </a:t>
+            </a:r>
+            <a:r>
+              <a:rPr b="1" lang="en-AU" sz="1000" spc="-1" strike="noStrike">
+                <a:latin typeface="Arial"/>
+              </a:rPr>
+              <a:t>combat the </a:t>
+            </a:r>
+            <a:r>
+              <a:rPr b="1" lang="en-AU" sz="1000" spc="-1" strike="noStrike">
+                <a:latin typeface="Arial"/>
+              </a:rPr>
+              <a:t>imbalanced </a:t>
+            </a:r>
+            <a:r>
+              <a:rPr b="1" lang="en-AU" sz="1000" spc="-1" strike="noStrike">
+                <a:latin typeface="Arial"/>
+              </a:rPr>
+              <a:t>data is to </a:t>
+            </a:r>
+            <a:r>
+              <a:rPr b="1" lang="en-AU" sz="1000" spc="-1" strike="noStrike">
+                <a:latin typeface="Arial"/>
+              </a:rPr>
+              <a:t>train </a:t>
+            </a:r>
+            <a:r>
+              <a:rPr b="1" lang="en-AU" sz="1000" spc="-1" strike="noStrike">
+                <a:latin typeface="Arial"/>
+              </a:rPr>
+              <a:t>separated </a:t>
+            </a:r>
+            <a:r>
+              <a:rPr b="1" lang="en-AU" sz="1000" spc="-1" strike="noStrike">
+                <a:latin typeface="Arial"/>
+              </a:rPr>
+              <a:t>models. We </a:t>
+            </a:r>
+            <a:r>
+              <a:rPr b="1" lang="en-AU" sz="1000" spc="-1" strike="noStrike">
+                <a:latin typeface="Arial"/>
+              </a:rPr>
+              <a:t>can divide </a:t>
+            </a:r>
+            <a:r>
+              <a:rPr b="1" lang="en-AU" sz="1000" spc="-1" strike="noStrike">
+                <a:latin typeface="Arial"/>
+              </a:rPr>
+              <a:t>the </a:t>
+            </a:r>
+            <a:r>
+              <a:rPr b="1" lang="en-AU" sz="1000" spc="-1" strike="noStrike">
+                <a:latin typeface="Arial"/>
+              </a:rPr>
+              <a:t>categories </a:t>
+            </a:r>
+            <a:r>
+              <a:rPr b="1" lang="en-AU" sz="1000" spc="-1" strike="noStrike">
+                <a:latin typeface="Arial"/>
+              </a:rPr>
+              <a:t>against the </a:t>
+            </a:r>
+            <a:r>
+              <a:rPr b="1" lang="en-AU" sz="1000" spc="-1" strike="noStrike">
+                <a:latin typeface="Arial"/>
+              </a:rPr>
+              <a:t>number of </a:t>
+            </a:r>
+            <a:r>
+              <a:rPr b="1" lang="en-AU" sz="1000" spc="-1" strike="noStrike">
+                <a:latin typeface="Arial"/>
+              </a:rPr>
+              <a:t>their </a:t>
+            </a:r>
+            <a:r>
+              <a:rPr b="1" lang="en-AU" sz="1000" spc="-1" strike="noStrike">
+                <a:latin typeface="Arial"/>
+              </a:rPr>
+              <a:t>sampling </a:t>
+            </a:r>
+            <a:r>
+              <a:rPr b="1" lang="en-AU" sz="1000" spc="-1" strike="noStrike">
+                <a:latin typeface="Arial"/>
+              </a:rPr>
+              <a:t>data. For </a:t>
+            </a:r>
+            <a:r>
+              <a:rPr b="1" lang="en-AU" sz="1000" spc="-1" strike="noStrike">
+                <a:latin typeface="Arial"/>
+              </a:rPr>
+              <a:t>example, we </a:t>
+            </a:r>
+            <a:r>
+              <a:rPr b="1" lang="en-AU" sz="1000" spc="-1" strike="noStrike">
+                <a:latin typeface="Arial"/>
+              </a:rPr>
+              <a:t>could have </a:t>
+            </a:r>
+            <a:r>
+              <a:rPr b="1" lang="en-AU" sz="1000" spc="-1" strike="noStrike">
+                <a:latin typeface="Arial"/>
+              </a:rPr>
+              <a:t>groups like:</a:t>
+            </a:r>
+            <a:endParaRPr b="1" lang="en-AU" sz="1000" spc="-1" strike="noStrike">
               <a:latin typeface="Arial"/>
             </a:endParaRPr>
           </a:p>
@@ -4648,14 +4651,14 @@
       </p:sp>
       <p:sp>
         <p:nvSpPr>
-          <p:cNvPr id="128" name="CustomShape 4"/>
-          <p:cNvSpPr/>
+          <p:cNvPr id="128" name="TextShape 4"/>
+          <p:cNvSpPr txBox="1"/>
           <p:nvPr/>
         </p:nvSpPr>
         <p:spPr>
           <a:xfrm>
-            <a:off x="2232000" y="4272480"/>
-            <a:ext cx="4175280" cy="766800"/>
+            <a:off x="1798920" y="3888000"/>
+            <a:ext cx="7920000" cy="793080"/>
           </a:xfrm>
           <a:prstGeom prst="rect">
             <a:avLst/>
@@ -4665,67 +4668,119 @@
             <a:noFill/>
           </a:ln>
         </p:spPr>
-        <p:style>
-          <a:lnRef idx="0"/>
-          <a:fillRef idx="0"/>
-          <a:effectRef idx="0"/>
-          <a:fontRef idx="minor"/>
-        </p:style>
         <p:txBody>
           <a:bodyPr lIns="90000" rIns="90000" tIns="45000" bIns="45000">
             <a:noAutofit/>
           </a:bodyPr>
           <a:p>
-            <a:pPr>
-              <a:lnSpc>
-                <a:spcPct val="100000"/>
-              </a:lnSpc>
-            </a:pPr>
-            <a:r>
-              <a:rPr b="0" lang="en-AU" sz="1600" spc="-1" strike="noStrike">
-                <a:solidFill>
-                  <a:srgbClr val="000000"/>
-                </a:solidFill>
+            <a:r>
+              <a:rPr b="0" lang="en-AU" sz="1000" spc="-1" strike="noStrike">
                 <a:latin typeface="Arial"/>
-                <a:ea typeface="DejaVu Sans"/>
-              </a:rPr>
-              <a:t>Wiki Corpus + Covid Domain Corpus</a:t>
-            </a:r>
-            <a:endParaRPr b="0" lang="en-AU" sz="1600" spc="-1" strike="noStrike">
+              </a:rPr>
+              <a:t>(You can adjust the granularity accordingly, the models above are just for the explanation.)</a:t>
+            </a:r>
+            <a:endParaRPr b="0" lang="en-AU" sz="1000" spc="-1" strike="noStrike">
+              <a:latin typeface="Arial"/>
+            </a:endParaRPr>
+          </a:p>
+          <a:p>
+            <a:r>
+              <a:rPr b="0" lang="en-AU" sz="1000" spc="-1" strike="noStrike">
+                <a:latin typeface="Arial"/>
+              </a:rPr>
+              <a:t>When classifying a question, we iterate through all models to generate pairs of prediction with probability and pick up the prediction with the highest probability.Due to the time limited, I did not implement this, but this solution can further boost the models' performance</a:t>
+            </a:r>
+            <a:endParaRPr b="0" lang="en-AU" sz="1000" spc="-1" strike="noStrike">
               <a:latin typeface="Arial"/>
             </a:endParaRPr>
           </a:p>
         </p:txBody>
       </p:sp>
-      <p:pic>
-        <p:nvPicPr>
-          <p:cNvPr id="129" name="" descr=""/>
-          <p:cNvPicPr/>
+      <p:sp>
+        <p:nvSpPr>
+          <p:cNvPr id="129" name="TextShape 5"/>
+          <p:cNvSpPr txBox="1"/>
           <p:nvPr/>
-        </p:nvPicPr>
-        <p:blipFill>
-          <a:blip r:embed="rId1"/>
-          <a:stretch/>
-        </p:blipFill>
+        </p:nvSpPr>
         <p:spPr>
           <a:xfrm>
-            <a:off x="2584080" y="2592000"/>
-            <a:ext cx="5551200" cy="1283040"/>
+            <a:off x="1757520" y="1812600"/>
+            <a:ext cx="7920000" cy="2327400"/>
           </a:xfrm>
           <a:prstGeom prst="rect">
             <a:avLst/>
           </a:prstGeom>
+          <a:noFill/>
           <a:ln>
-            <a:solidFill>
-              <a:srgbClr val="808080"/>
-            </a:solidFill>
-            <a:custDash>
-              <a:ds d="100000" sp="500000"/>
-              <a:ds d="100000" sp="500000"/>
-            </a:custDash>
+            <a:noFill/>
           </a:ln>
         </p:spPr>
-      </p:pic>
+        <p:txBody>
+          <a:bodyPr lIns="90000" rIns="90000" tIns="45000" bIns="45000">
+            <a:noAutofit/>
+          </a:bodyPr>
+          <a:p>
+            <a:r>
+              <a:rPr b="0" lang="en-AU" sz="1000" spc="-1" strike="noStrike">
+                <a:latin typeface="Arial"/>
+              </a:rPr>
+              <a:t>1. Model 30, for all categories which have number of sampling data less than 30</a:t>
+            </a:r>
+            <a:endParaRPr b="0" lang="en-AU" sz="1000" spc="-1" strike="noStrike">
+              <a:latin typeface="Arial"/>
+            </a:endParaRPr>
+          </a:p>
+          <a:p>
+            <a:r>
+              <a:rPr b="0" lang="en-AU" sz="1000" spc="-1" strike="noStrike">
+                <a:latin typeface="Arial"/>
+              </a:rPr>
+              <a:t>2. Model 90, for all categories which have number of sampling data less than 90 but greater than 30</a:t>
+            </a:r>
+            <a:endParaRPr b="0" lang="en-AU" sz="1000" spc="-1" strike="noStrike">
+              <a:latin typeface="Arial"/>
+            </a:endParaRPr>
+          </a:p>
+          <a:p>
+            <a:r>
+              <a:rPr b="0" lang="en-AU" sz="1000" spc="-1" strike="noStrike">
+                <a:latin typeface="Arial"/>
+              </a:rPr>
+              <a:t>3. Model 130, for all categories which have number of sampling data less than 130 but greater than 90</a:t>
+            </a:r>
+            <a:endParaRPr b="0" lang="en-AU" sz="1000" spc="-1" strike="noStrike">
+              <a:latin typeface="Arial"/>
+            </a:endParaRPr>
+          </a:p>
+          <a:p>
+            <a:r>
+              <a:rPr b="0" lang="en-AU" sz="1000" spc="-1" strike="noStrike">
+                <a:latin typeface="Arial"/>
+              </a:rPr>
+              <a:t>4. Model 170, for all categories which have number of sampling data less than 130 but greater than 170</a:t>
+            </a:r>
+            <a:endParaRPr b="0" lang="en-AU" sz="1000" spc="-1" strike="noStrike">
+              <a:latin typeface="Arial"/>
+            </a:endParaRPr>
+          </a:p>
+          <a:p>
+            <a:r>
+              <a:rPr b="0" lang="en-AU" sz="1000" spc="-1" strike="noStrike">
+                <a:latin typeface="Arial"/>
+              </a:rPr>
+              <a:t>5. Model High, for all the rest of categories</a:t>
+            </a:r>
+            <a:endParaRPr b="0" lang="en-AU" sz="1000" spc="-1" strike="noStrike">
+              <a:latin typeface="Arial"/>
+            </a:endParaRPr>
+          </a:p>
+          <a:p>
+            <a:endParaRPr b="0" lang="en-AU" sz="1000" spc="-1" strike="noStrike">
+              <a:latin typeface="Arial"/>
+            </a:endParaRPr>
+          </a:p>
+        </p:txBody>
+      </p:sp>
     </p:spTree>
   </p:cSld>
   <mc:AlternateContent>
@@ -4756,39 +4811,16 @@
           <a:chExt cx="0" cy="0"/>
         </a:xfrm>
       </p:grpSpPr>
-      <p:pic>
-        <p:nvPicPr>
-          <p:cNvPr id="130" name="" descr=""/>
-          <p:cNvPicPr/>
-          <p:nvPr/>
-        </p:nvPicPr>
-        <p:blipFill>
-          <a:blip r:embed="rId1"/>
-          <a:stretch/>
-        </p:blipFill>
-        <p:spPr>
-          <a:xfrm>
-            <a:off x="164880" y="2162520"/>
-            <a:ext cx="2930400" cy="3100320"/>
-          </a:xfrm>
-          <a:prstGeom prst="rect">
-            <a:avLst/>
-          </a:prstGeom>
-          <a:ln>
-            <a:noFill/>
-          </a:ln>
-        </p:spPr>
-      </p:pic>
       <p:sp>
         <p:nvSpPr>
-          <p:cNvPr id="131" name="CustomShape 1"/>
+          <p:cNvPr id="130" name="CustomShape 1"/>
           <p:cNvSpPr/>
           <p:nvPr/>
         </p:nvSpPr>
         <p:spPr>
           <a:xfrm>
             <a:off x="1620000" y="216000"/>
-            <a:ext cx="8099280" cy="935280"/>
+            <a:ext cx="8098920" cy="934920"/>
           </a:xfrm>
           <a:prstGeom prst="rect">
             <a:avLst/>
@@ -4832,14 +4864,14 @@
       </p:sp>
       <p:sp>
         <p:nvSpPr>
-          <p:cNvPr id="132" name="CustomShape 2"/>
+          <p:cNvPr id="131" name="CustomShape 2"/>
           <p:cNvSpPr/>
           <p:nvPr/>
         </p:nvSpPr>
         <p:spPr>
           <a:xfrm>
-            <a:off x="1116000" y="1031760"/>
-            <a:ext cx="8963280" cy="3287520"/>
+            <a:off x="1620000" y="1368000"/>
+            <a:ext cx="8098920" cy="3287160"/>
           </a:xfrm>
           <a:prstGeom prst="rect">
             <a:avLst/>
@@ -4860,7 +4892,7 @@
             <a:normAutofit/>
           </a:bodyPr>
           <a:p>
-            <a:pPr marL="432000" indent="-323280">
+            <a:pPr marL="432000" indent="-322920">
               <a:lnSpc>
                 <a:spcPct val="100000"/>
               </a:lnSpc>
@@ -4882,108 +4914,174 @@
                 <a:latin typeface="Arial"/>
                 <a:ea typeface="DejaVu Sans"/>
               </a:rPr>
-              <a:t>Training Language Model</a:t>
+              <a:t>Transfer Learning</a:t>
             </a:r>
             <a:endParaRPr b="0" lang="en-AU" sz="1800" spc="-1" strike="noStrike">
               <a:latin typeface="Arial"/>
             </a:endParaRPr>
           </a:p>
           <a:p>
-            <a:pPr lvl="1" marL="864000" indent="-323280">
-              <a:lnSpc>
-                <a:spcPct val="100000"/>
-              </a:lnSpc>
-              <a:spcAft>
-                <a:spcPts val="848"/>
-              </a:spcAft>
-              <a:buClr>
-                <a:srgbClr val="0066ff"/>
-              </a:buClr>
-              <a:buSzPct val="40000"/>
-              <a:buFont typeface="Symbol"/>
-              <a:buChar char=""/>
-            </a:pPr>
-            <a:r>
-              <a:rPr b="0" i="1" lang="en-AU" sz="2100" spc="-1" strike="noStrike">
-                <a:solidFill>
-                  <a:srgbClr val="050505"/>
-                </a:solidFill>
-                <a:latin typeface="Arial"/>
-                <a:ea typeface="DejaVu Sans"/>
-              </a:rPr>
-              <a:t>One Cycle Policy – less epoch to train complex models</a:t>
-            </a:r>
-            <a:endParaRPr b="0" lang="en-AU" sz="2100" spc="-1" strike="noStrike">
-              <a:latin typeface="Arial"/>
-            </a:endParaRPr>
-          </a:p>
-          <a:p>
-            <a:pPr lvl="1" marL="864000" indent="-323280">
-              <a:lnSpc>
-                <a:spcPct val="100000"/>
-              </a:lnSpc>
-              <a:spcAft>
-                <a:spcPts val="848"/>
-              </a:spcAft>
-              <a:buClr>
-                <a:srgbClr val="0066ff"/>
-              </a:buClr>
-              <a:buSzPct val="40000"/>
-              <a:buFont typeface="Symbol"/>
-              <a:buChar char=""/>
-            </a:pPr>
-            <a:r>
-              <a:rPr b="0" i="1" lang="en-AU" sz="2100" spc="-1" strike="noStrike">
-                <a:solidFill>
-                  <a:srgbClr val="050505"/>
-                </a:solidFill>
-                <a:latin typeface="Arial"/>
-                <a:ea typeface="DejaVu Sans"/>
-              </a:rPr>
-              <a:t>Progressive Model Training</a:t>
-            </a:r>
-            <a:endParaRPr b="0" lang="en-AU" sz="2100" spc="-1" strike="noStrike">
-              <a:latin typeface="Arial"/>
-            </a:endParaRPr>
-          </a:p>
-          <a:p>
-            <a:pPr>
+            <a:pPr marL="432000" indent="-322920">
               <a:lnSpc>
                 <a:spcPct val="100000"/>
               </a:lnSpc>
               <a:spcAft>
                 <a:spcPts val="791"/>
               </a:spcAft>
+              <a:buClr>
+                <a:srgbClr val="0066ff"/>
+              </a:buClr>
+              <a:buSzPct val="40000"/>
+              <a:buFont typeface="Wingdings" charset="2"/>
+              <a:buChar char=""/>
             </a:pPr>
-            <a:endParaRPr b="0" lang="en-AU" sz="2100" spc="-1" strike="noStrike">
+            <a:r>
+              <a:rPr b="0" lang="en-AU" sz="1800" spc="-1" strike="noStrike">
+                <a:solidFill>
+                  <a:srgbClr val="050505"/>
+                </a:solidFill>
+                <a:latin typeface="Arial"/>
+                <a:ea typeface="DejaVu Sans"/>
+              </a:rPr>
+              <a:t>Language Model</a:t>
+            </a:r>
+            <a:endParaRPr b="0" lang="en-AU" sz="1800" spc="-1" strike="noStrike">
+              <a:latin typeface="Arial"/>
+            </a:endParaRPr>
+          </a:p>
+          <a:p>
+            <a:pPr marL="432000" indent="-322920">
+              <a:lnSpc>
+                <a:spcPct val="100000"/>
+              </a:lnSpc>
+              <a:spcAft>
+                <a:spcPts val="791"/>
+              </a:spcAft>
+              <a:buClr>
+                <a:srgbClr val="0066ff"/>
+              </a:buClr>
+              <a:buSzPct val="40000"/>
+              <a:buFont typeface="Wingdings" charset="2"/>
+              <a:buChar char=""/>
+            </a:pPr>
+            <a:r>
+              <a:rPr b="0" lang="en-AU" sz="1800" spc="-1" strike="noStrike">
+                <a:solidFill>
+                  <a:srgbClr val="050505"/>
+                </a:solidFill>
+                <a:latin typeface="Arial"/>
+                <a:ea typeface="DejaVu Sans"/>
+              </a:rPr>
+              <a:t>Text Classification</a:t>
+            </a:r>
+            <a:endParaRPr b="0" lang="en-AU" sz="1800" spc="-1" strike="noStrike">
               <a:latin typeface="Arial"/>
             </a:endParaRPr>
           </a:p>
         </p:txBody>
       </p:sp>
-      <p:pic>
-        <p:nvPicPr>
-          <p:cNvPr id="133" name="" descr=""/>
-          <p:cNvPicPr/>
+      <p:sp>
+        <p:nvSpPr>
+          <p:cNvPr id="132" name="CustomShape 3"/>
+          <p:cNvSpPr/>
           <p:nvPr/>
-        </p:nvPicPr>
-        <p:blipFill>
-          <a:blip r:embed="rId2"/>
-          <a:stretch/>
-        </p:blipFill>
+        </p:nvSpPr>
         <p:spPr>
           <a:xfrm>
-            <a:off x="3344400" y="2160000"/>
-            <a:ext cx="2990880" cy="3032280"/>
+            <a:off x="4752000" y="4560480"/>
+            <a:ext cx="3454920" cy="766440"/>
           </a:xfrm>
           <a:prstGeom prst="rect">
             <a:avLst/>
           </a:prstGeom>
+          <a:noFill/>
           <a:ln>
             <a:noFill/>
           </a:ln>
         </p:spPr>
-      </p:pic>
+        <p:style>
+          <a:lnRef idx="0"/>
+          <a:fillRef idx="0"/>
+          <a:effectRef idx="0"/>
+          <a:fontRef idx="minor"/>
+        </p:style>
+        <p:txBody>
+          <a:bodyPr lIns="90000" rIns="90000" tIns="45000" bIns="45000">
+            <a:noAutofit/>
+          </a:bodyPr>
+          <a:p>
+            <a:pPr>
+              <a:lnSpc>
+                <a:spcPct val="100000"/>
+              </a:lnSpc>
+            </a:pPr>
+            <a:r>
+              <a:rPr b="0" lang="en-AU" sz="1600" spc="-1" strike="noStrike">
+                <a:solidFill>
+                  <a:srgbClr val="000000"/>
+                </a:solidFill>
+                <a:latin typeface="Arial"/>
+                <a:ea typeface="DejaVu Sans"/>
+              </a:rPr>
+              <a:t>We use all questions even without categories to improve accuracy</a:t>
+            </a:r>
+            <a:endParaRPr b="0" lang="en-AU" sz="1600" spc="-1" strike="noStrike">
+              <a:latin typeface="Arial"/>
+            </a:endParaRPr>
+          </a:p>
+        </p:txBody>
+      </p:sp>
+      <p:sp>
+        <p:nvSpPr>
+          <p:cNvPr id="133" name="CustomShape 4"/>
+          <p:cNvSpPr/>
+          <p:nvPr/>
+        </p:nvSpPr>
+        <p:spPr>
+          <a:xfrm>
+            <a:off x="2232000" y="4272480"/>
+            <a:ext cx="4174920" cy="766440"/>
+          </a:xfrm>
+          <a:prstGeom prst="rect">
+            <a:avLst/>
+          </a:prstGeom>
+          <a:noFill/>
+          <a:ln>
+            <a:noFill/>
+          </a:ln>
+        </p:spPr>
+        <p:style>
+          <a:lnRef idx="0"/>
+          <a:fillRef idx="0"/>
+          <a:effectRef idx="0"/>
+          <a:fontRef idx="minor"/>
+        </p:style>
+        <p:txBody>
+          <a:bodyPr lIns="90000" rIns="90000" tIns="45000" bIns="45000">
+            <a:noAutofit/>
+          </a:bodyPr>
+          <a:p>
+            <a:pPr>
+              <a:lnSpc>
+                <a:spcPct val="100000"/>
+              </a:lnSpc>
+            </a:pPr>
+            <a:r>
+              <a:rPr b="0" lang="en-AU" sz="1600" spc="-1" strike="noStrike">
+                <a:solidFill>
+                  <a:srgbClr val="000000"/>
+                </a:solidFill>
+                <a:latin typeface="Arial"/>
+                <a:ea typeface="DejaVu Sans"/>
+              </a:rPr>
+              <a:t>Wiki Corpus + Covid Domain Corpus</a:t>
+            </a:r>
+            <a:endParaRPr b="0" lang="en-AU" sz="1600" spc="-1" strike="noStrike">
+              <a:latin typeface="Arial"/>
+            </a:endParaRPr>
+          </a:p>
+        </p:txBody>
+      </p:sp>
       <p:pic>
         <p:nvPicPr>
           <p:cNvPr id="134" name="" descr=""/>
@@ -4991,19 +5089,25 @@
           <p:nvPr/>
         </p:nvPicPr>
         <p:blipFill>
-          <a:blip r:embed="rId3"/>
+          <a:blip r:embed="rId1"/>
           <a:stretch/>
         </p:blipFill>
         <p:spPr>
           <a:xfrm>
-            <a:off x="6552000" y="2088000"/>
-            <a:ext cx="3139920" cy="3139920"/>
+            <a:off x="2584080" y="2592000"/>
+            <a:ext cx="5550840" cy="1282680"/>
           </a:xfrm>
           <a:prstGeom prst="rect">
             <a:avLst/>
           </a:prstGeom>
           <a:ln>
-            <a:noFill/>
+            <a:solidFill>
+              <a:srgbClr val="808080"/>
+            </a:solidFill>
+            <a:custDash>
+              <a:ds d="100000" sp="500000"/>
+              <a:ds d="100000" sp="500000"/>
+            </a:custDash>
           </a:ln>
         </p:spPr>
       </p:pic>
@@ -5050,7 +5154,7 @@
         <p:spPr>
           <a:xfrm>
             <a:off x="164880" y="2162520"/>
-            <a:ext cx="1418400" cy="1500840"/>
+            <a:ext cx="2930040" cy="3099960"/>
           </a:xfrm>
           <a:prstGeom prst="rect">
             <a:avLst/>
@@ -5069,7 +5173,7 @@
         <p:spPr>
           <a:xfrm>
             <a:off x="1620000" y="216000"/>
-            <a:ext cx="8099280" cy="935280"/>
+            <a:ext cx="8098920" cy="934920"/>
           </a:xfrm>
           <a:prstGeom prst="rect">
             <a:avLst/>
@@ -5119,8 +5223,8 @@
         </p:nvSpPr>
         <p:spPr>
           <a:xfrm>
-            <a:off x="612000" y="743760"/>
-            <a:ext cx="4211280" cy="3287520"/>
+            <a:off x="1116000" y="1031760"/>
+            <a:ext cx="8962920" cy="3287160"/>
           </a:xfrm>
           <a:prstGeom prst="rect">
             <a:avLst/>
@@ -5141,7 +5245,7 @@
             <a:normAutofit/>
           </a:bodyPr>
           <a:p>
-            <a:pPr marL="432000" indent="-323280">
+            <a:pPr marL="432000" indent="-322920">
               <a:lnSpc>
                 <a:spcPct val="100000"/>
               </a:lnSpc>
@@ -5170,7 +5274,7 @@
             </a:endParaRPr>
           </a:p>
           <a:p>
-            <a:pPr lvl="1" marL="864000" indent="-323280">
+            <a:pPr lvl="1" marL="864000" indent="-322920">
               <a:lnSpc>
                 <a:spcPct val="100000"/>
               </a:lnSpc>
@@ -5192,14 +5296,14 @@
                 <a:latin typeface="Arial"/>
                 <a:ea typeface="DejaVu Sans"/>
               </a:rPr>
-              <a:t>Fit One Cycle</a:t>
+              <a:t>One Cycle Policy – less epoch to train complex models</a:t>
             </a:r>
             <a:endParaRPr b="0" lang="en-AU" sz="2100" spc="-1" strike="noStrike">
               <a:latin typeface="Arial"/>
             </a:endParaRPr>
           </a:p>
           <a:p>
-            <a:pPr lvl="1" marL="864000" indent="-323280">
+            <a:pPr lvl="1" marL="864000" indent="-322920">
               <a:lnSpc>
                 <a:spcPct val="100000"/>
               </a:lnSpc>
@@ -5254,8 +5358,8 @@
         </p:blipFill>
         <p:spPr>
           <a:xfrm>
-            <a:off x="176400" y="3816000"/>
-            <a:ext cx="1478880" cy="1499040"/>
+            <a:off x="3344400" y="2160000"/>
+            <a:ext cx="2990520" cy="3031920"/>
           </a:xfrm>
           <a:prstGeom prst="rect">
             <a:avLst/>
@@ -5277,8 +5381,8 @@
         </p:blipFill>
         <p:spPr>
           <a:xfrm>
-            <a:off x="1728000" y="2160000"/>
-            <a:ext cx="1583280" cy="1583280"/>
+            <a:off x="6552000" y="2088000"/>
+            <a:ext cx="3139560" cy="3139560"/>
           </a:xfrm>
           <a:prstGeom prst="rect">
             <a:avLst/>
@@ -5288,154 +5392,6 @@
           </a:ln>
         </p:spPr>
       </p:pic>
-      <p:pic>
-        <p:nvPicPr>
-          <p:cNvPr id="140" name="" descr=""/>
-          <p:cNvPicPr/>
-          <p:nvPr/>
-        </p:nvPicPr>
-        <p:blipFill>
-          <a:blip r:embed="rId4"/>
-          <a:stretch/>
-        </p:blipFill>
-        <p:spPr>
-          <a:xfrm>
-            <a:off x="2344320" y="1819080"/>
-            <a:ext cx="3846960" cy="3580200"/>
-          </a:xfrm>
-          <a:prstGeom prst="rect">
-            <a:avLst/>
-          </a:prstGeom>
-          <a:ln>
-            <a:noFill/>
-          </a:ln>
-        </p:spPr>
-      </p:pic>
-      <p:pic>
-        <p:nvPicPr>
-          <p:cNvPr id="141" name="" descr=""/>
-          <p:cNvPicPr/>
-          <p:nvPr/>
-        </p:nvPicPr>
-        <p:blipFill>
-          <a:blip r:embed="rId5"/>
-          <a:stretch/>
-        </p:blipFill>
-        <p:spPr>
-          <a:xfrm>
-            <a:off x="6165720" y="1847520"/>
-            <a:ext cx="3913560" cy="3551760"/>
-          </a:xfrm>
-          <a:prstGeom prst="rect">
-            <a:avLst/>
-          </a:prstGeom>
-          <a:ln>
-            <a:noFill/>
-          </a:ln>
-        </p:spPr>
-      </p:pic>
-      <p:sp>
-        <p:nvSpPr>
-          <p:cNvPr id="142" name="CustomShape 3"/>
-          <p:cNvSpPr/>
-          <p:nvPr/>
-        </p:nvSpPr>
-        <p:spPr>
-          <a:xfrm>
-            <a:off x="2736360" y="5400000"/>
-            <a:ext cx="3092400" cy="315360"/>
-          </a:xfrm>
-          <a:prstGeom prst="rect">
-            <a:avLst/>
-          </a:prstGeom>
-          <a:noFill/>
-          <a:ln>
-            <a:noFill/>
-          </a:ln>
-        </p:spPr>
-        <p:style>
-          <a:lnRef idx="0"/>
-          <a:fillRef idx="0"/>
-          <a:effectRef idx="0"/>
-          <a:fontRef idx="minor"/>
-        </p:style>
-        <p:txBody>
-          <a:bodyPr lIns="90000" rIns="90000" tIns="45000" bIns="45000">
-            <a:noAutofit/>
-          </a:bodyPr>
-          <a:p>
-            <a:pPr>
-              <a:lnSpc>
-                <a:spcPct val="100000"/>
-              </a:lnSpc>
-            </a:pPr>
-            <a:r>
-              <a:rPr b="0" lang="en-AU" sz="1600" spc="-1" strike="noStrike">
-                <a:solidFill>
-                  <a:srgbClr val="000000"/>
-                </a:solidFill>
-                <a:latin typeface="Arial"/>
-                <a:ea typeface="DejaVu Sans"/>
-              </a:rPr>
-              <a:t>Trained with Over-sampled Data</a:t>
-            </a:r>
-            <a:endParaRPr b="0" lang="en-AU" sz="1600" spc="-1" strike="noStrike">
-              <a:latin typeface="Arial"/>
-            </a:endParaRPr>
-          </a:p>
-        </p:txBody>
-      </p:sp>
-      <p:sp>
-        <p:nvSpPr>
-          <p:cNvPr id="143" name="CustomShape 4"/>
-          <p:cNvSpPr/>
-          <p:nvPr/>
-        </p:nvSpPr>
-        <p:spPr>
-          <a:xfrm>
-            <a:off x="6955200" y="5393520"/>
-            <a:ext cx="2517840" cy="315360"/>
-          </a:xfrm>
-          <a:prstGeom prst="rect">
-            <a:avLst/>
-          </a:prstGeom>
-          <a:noFill/>
-          <a:ln>
-            <a:noFill/>
-          </a:ln>
-        </p:spPr>
-        <p:style>
-          <a:lnRef idx="0"/>
-          <a:fillRef idx="0"/>
-          <a:effectRef idx="0"/>
-          <a:fontRef idx="minor"/>
-        </p:style>
-        <p:txBody>
-          <a:bodyPr lIns="90000" rIns="90000" tIns="45000" bIns="45000">
-            <a:noAutofit/>
-          </a:bodyPr>
-          <a:p>
-            <a:pPr>
-              <a:lnSpc>
-                <a:spcPct val="100000"/>
-              </a:lnSpc>
-            </a:pPr>
-            <a:r>
-              <a:rPr b="0" lang="en-AU" sz="1600" spc="-1" strike="noStrike">
-                <a:solidFill>
-                  <a:srgbClr val="000000"/>
-                </a:solidFill>
-                <a:latin typeface="Arial"/>
-                <a:ea typeface="DejaVu Sans"/>
-              </a:rPr>
-              <a:t>Trained with Original Data</a:t>
-            </a:r>
-            <a:endParaRPr b="0" lang="en-AU" sz="1600" spc="-1" strike="noStrike">
-              <a:latin typeface="Arial"/>
-            </a:endParaRPr>
-          </a:p>
-        </p:txBody>
-      </p:sp>
     </p:spTree>
   </p:cSld>
   <mc:AlternateContent>
@@ -5468,7 +5424,7 @@
       </p:grpSpPr>
       <p:pic>
         <p:nvPicPr>
-          <p:cNvPr id="144" name="" descr=""/>
+          <p:cNvPr id="140" name="" descr=""/>
           <p:cNvPicPr/>
           <p:nvPr/>
         </p:nvPicPr>
@@ -5478,33 +5434,27 @@
         </p:blipFill>
         <p:spPr>
           <a:xfrm>
-            <a:off x="2584440" y="2592360"/>
-            <a:ext cx="5551200" cy="1283040"/>
+            <a:off x="164880" y="2162520"/>
+            <a:ext cx="1418040" cy="1500480"/>
           </a:xfrm>
           <a:prstGeom prst="rect">
             <a:avLst/>
           </a:prstGeom>
           <a:ln>
-            <a:solidFill>
-              <a:srgbClr val="808080"/>
-            </a:solidFill>
-            <a:custDash>
-              <a:ds d="100000" sp="500000"/>
-              <a:ds d="100000" sp="500000"/>
-            </a:custDash>
+            <a:noFill/>
           </a:ln>
         </p:spPr>
       </p:pic>
       <p:sp>
         <p:nvSpPr>
-          <p:cNvPr id="145" name="CustomShape 1"/>
+          <p:cNvPr id="141" name="CustomShape 1"/>
           <p:cNvSpPr/>
           <p:nvPr/>
         </p:nvSpPr>
         <p:spPr>
           <a:xfrm>
             <a:off x="1620000" y="216000"/>
-            <a:ext cx="8099280" cy="935280"/>
+            <a:ext cx="8098920" cy="934920"/>
           </a:xfrm>
           <a:prstGeom prst="rect">
             <a:avLst/>
@@ -5548,14 +5498,14 @@
       </p:sp>
       <p:sp>
         <p:nvSpPr>
-          <p:cNvPr id="146" name="CustomShape 2"/>
+          <p:cNvPr id="142" name="CustomShape 2"/>
           <p:cNvSpPr/>
           <p:nvPr/>
         </p:nvSpPr>
         <p:spPr>
           <a:xfrm>
-            <a:off x="1440000" y="1152000"/>
-            <a:ext cx="8099280" cy="3287520"/>
+            <a:off x="612000" y="743760"/>
+            <a:ext cx="4210920" cy="3287160"/>
           </a:xfrm>
           <a:prstGeom prst="rect">
             <a:avLst/>
@@ -5576,7 +5526,7 @@
             <a:normAutofit/>
           </a:bodyPr>
           <a:p>
-            <a:pPr marL="432000" indent="-323280">
+            <a:pPr marL="432000" indent="-322920">
               <a:lnSpc>
                 <a:spcPct val="100000"/>
               </a:lnSpc>
@@ -5591,21 +5541,184 @@
               <a:buChar char=""/>
             </a:pPr>
             <a:r>
-              <a:rPr b="0" lang="en-AU" sz="1800" spc="-1" strike="noStrike">
+              <a:rPr b="1" lang="en-AU" sz="1800" spc="-1" strike="noStrike">
                 <a:solidFill>
                   <a:srgbClr val="050505"/>
                 </a:solidFill>
                 <a:latin typeface="Arial"/>
                 <a:ea typeface="DejaVu Sans"/>
               </a:rPr>
-              <a:t>Text Classification Model Training</a:t>
+              <a:t>Training Language Model</a:t>
             </a:r>
             <a:endParaRPr b="0" lang="en-AU" sz="1800" spc="-1" strike="noStrike">
+              <a:latin typeface="Arial"/>
+            </a:endParaRPr>
+          </a:p>
+          <a:p>
+            <a:pPr lvl="1" marL="864000" indent="-322920">
+              <a:lnSpc>
+                <a:spcPct val="100000"/>
+              </a:lnSpc>
+              <a:spcAft>
+                <a:spcPts val="848"/>
+              </a:spcAft>
+              <a:buClr>
+                <a:srgbClr val="0066ff"/>
+              </a:buClr>
+              <a:buSzPct val="40000"/>
+              <a:buFont typeface="Symbol"/>
+              <a:buChar char=""/>
+            </a:pPr>
+            <a:r>
+              <a:rPr b="0" i="1" lang="en-AU" sz="2100" spc="-1" strike="noStrike">
+                <a:solidFill>
+                  <a:srgbClr val="050505"/>
+                </a:solidFill>
+                <a:latin typeface="Arial"/>
+                <a:ea typeface="DejaVu Sans"/>
+              </a:rPr>
+              <a:t>Fit One Cycle</a:t>
+            </a:r>
+            <a:endParaRPr b="0" lang="en-AU" sz="2100" spc="-1" strike="noStrike">
+              <a:latin typeface="Arial"/>
+            </a:endParaRPr>
+          </a:p>
+          <a:p>
+            <a:pPr lvl="1" marL="864000" indent="-322920">
+              <a:lnSpc>
+                <a:spcPct val="100000"/>
+              </a:lnSpc>
+              <a:spcAft>
+                <a:spcPts val="848"/>
+              </a:spcAft>
+              <a:buClr>
+                <a:srgbClr val="0066ff"/>
+              </a:buClr>
+              <a:buSzPct val="40000"/>
+              <a:buFont typeface="Symbol"/>
+              <a:buChar char=""/>
+            </a:pPr>
+            <a:r>
+              <a:rPr b="0" i="1" lang="en-AU" sz="2100" spc="-1" strike="noStrike">
+                <a:solidFill>
+                  <a:srgbClr val="050505"/>
+                </a:solidFill>
+                <a:latin typeface="Arial"/>
+                <a:ea typeface="DejaVu Sans"/>
+              </a:rPr>
+              <a:t>Progressive Model Training</a:t>
+            </a:r>
+            <a:endParaRPr b="0" lang="en-AU" sz="2100" spc="-1" strike="noStrike">
+              <a:latin typeface="Arial"/>
+            </a:endParaRPr>
+          </a:p>
+          <a:p>
+            <a:pPr>
+              <a:lnSpc>
+                <a:spcPct val="100000"/>
+              </a:lnSpc>
+              <a:spcAft>
+                <a:spcPts val="791"/>
+              </a:spcAft>
+            </a:pPr>
+            <a:endParaRPr b="0" lang="en-AU" sz="2100" spc="-1" strike="noStrike">
               <a:latin typeface="Arial"/>
             </a:endParaRPr>
           </a:p>
         </p:txBody>
       </p:sp>
+      <p:pic>
+        <p:nvPicPr>
+          <p:cNvPr id="143" name="" descr=""/>
+          <p:cNvPicPr/>
+          <p:nvPr/>
+        </p:nvPicPr>
+        <p:blipFill>
+          <a:blip r:embed="rId2"/>
+          <a:stretch/>
+        </p:blipFill>
+        <p:spPr>
+          <a:xfrm>
+            <a:off x="176400" y="3816000"/>
+            <a:ext cx="1478520" cy="1498680"/>
+          </a:xfrm>
+          <a:prstGeom prst="rect">
+            <a:avLst/>
+          </a:prstGeom>
+          <a:ln>
+            <a:noFill/>
+          </a:ln>
+        </p:spPr>
+      </p:pic>
+      <p:pic>
+        <p:nvPicPr>
+          <p:cNvPr id="144" name="" descr=""/>
+          <p:cNvPicPr/>
+          <p:nvPr/>
+        </p:nvPicPr>
+        <p:blipFill>
+          <a:blip r:embed="rId3"/>
+          <a:stretch/>
+        </p:blipFill>
+        <p:spPr>
+          <a:xfrm>
+            <a:off x="1728000" y="2160000"/>
+            <a:ext cx="1582920" cy="1582920"/>
+          </a:xfrm>
+          <a:prstGeom prst="rect">
+            <a:avLst/>
+          </a:prstGeom>
+          <a:ln>
+            <a:noFill/>
+          </a:ln>
+        </p:spPr>
+      </p:pic>
+      <p:pic>
+        <p:nvPicPr>
+          <p:cNvPr id="145" name="" descr=""/>
+          <p:cNvPicPr/>
+          <p:nvPr/>
+        </p:nvPicPr>
+        <p:blipFill>
+          <a:blip r:embed="rId4"/>
+          <a:stretch/>
+        </p:blipFill>
+        <p:spPr>
+          <a:xfrm>
+            <a:off x="2344320" y="1819080"/>
+            <a:ext cx="3846600" cy="3579840"/>
+          </a:xfrm>
+          <a:prstGeom prst="rect">
+            <a:avLst/>
+          </a:prstGeom>
+          <a:ln>
+            <a:noFill/>
+          </a:ln>
+        </p:spPr>
+      </p:pic>
+      <p:pic>
+        <p:nvPicPr>
+          <p:cNvPr id="146" name="" descr=""/>
+          <p:cNvPicPr/>
+          <p:nvPr/>
+        </p:nvPicPr>
+        <p:blipFill>
+          <a:blip r:embed="rId5"/>
+          <a:stretch/>
+        </p:blipFill>
+        <p:spPr>
+          <a:xfrm>
+            <a:off x="6165720" y="1847520"/>
+            <a:ext cx="3913200" cy="3551400"/>
+          </a:xfrm>
+          <a:prstGeom prst="rect">
+            <a:avLst/>
+          </a:prstGeom>
+          <a:ln>
+            <a:noFill/>
+          </a:ln>
+        </p:spPr>
+      </p:pic>
       <p:sp>
         <p:nvSpPr>
           <p:cNvPr id="147" name="CustomShape 3"/>
@@ -5614,8 +5727,280 @@
         </p:nvSpPr>
         <p:spPr>
           <a:xfrm>
+            <a:off x="2736360" y="5400000"/>
+            <a:ext cx="3092040" cy="315000"/>
+          </a:xfrm>
+          <a:prstGeom prst="rect">
+            <a:avLst/>
+          </a:prstGeom>
+          <a:noFill/>
+          <a:ln>
+            <a:noFill/>
+          </a:ln>
+        </p:spPr>
+        <p:style>
+          <a:lnRef idx="0"/>
+          <a:fillRef idx="0"/>
+          <a:effectRef idx="0"/>
+          <a:fontRef idx="minor"/>
+        </p:style>
+        <p:txBody>
+          <a:bodyPr lIns="90000" rIns="90000" tIns="45000" bIns="45000">
+            <a:noAutofit/>
+          </a:bodyPr>
+          <a:p>
+            <a:pPr>
+              <a:lnSpc>
+                <a:spcPct val="100000"/>
+              </a:lnSpc>
+            </a:pPr>
+            <a:r>
+              <a:rPr b="0" lang="en-AU" sz="1600" spc="-1" strike="noStrike">
+                <a:solidFill>
+                  <a:srgbClr val="000000"/>
+                </a:solidFill>
+                <a:latin typeface="Arial"/>
+                <a:ea typeface="DejaVu Sans"/>
+              </a:rPr>
+              <a:t>Trained with Over-sampled Data</a:t>
+            </a:r>
+            <a:endParaRPr b="0" lang="en-AU" sz="1600" spc="-1" strike="noStrike">
+              <a:latin typeface="Arial"/>
+            </a:endParaRPr>
+          </a:p>
+        </p:txBody>
+      </p:sp>
+      <p:sp>
+        <p:nvSpPr>
+          <p:cNvPr id="148" name="CustomShape 4"/>
+          <p:cNvSpPr/>
+          <p:nvPr/>
+        </p:nvSpPr>
+        <p:spPr>
+          <a:xfrm>
+            <a:off x="6955200" y="5393520"/>
+            <a:ext cx="2517480" cy="315000"/>
+          </a:xfrm>
+          <a:prstGeom prst="rect">
+            <a:avLst/>
+          </a:prstGeom>
+          <a:noFill/>
+          <a:ln>
+            <a:noFill/>
+          </a:ln>
+        </p:spPr>
+        <p:style>
+          <a:lnRef idx="0"/>
+          <a:fillRef idx="0"/>
+          <a:effectRef idx="0"/>
+          <a:fontRef idx="minor"/>
+        </p:style>
+        <p:txBody>
+          <a:bodyPr lIns="90000" rIns="90000" tIns="45000" bIns="45000">
+            <a:noAutofit/>
+          </a:bodyPr>
+          <a:p>
+            <a:pPr>
+              <a:lnSpc>
+                <a:spcPct val="100000"/>
+              </a:lnSpc>
+            </a:pPr>
+            <a:r>
+              <a:rPr b="0" lang="en-AU" sz="1600" spc="-1" strike="noStrike">
+                <a:solidFill>
+                  <a:srgbClr val="000000"/>
+                </a:solidFill>
+                <a:latin typeface="Arial"/>
+                <a:ea typeface="DejaVu Sans"/>
+              </a:rPr>
+              <a:t>Trained with Original Data</a:t>
+            </a:r>
+            <a:endParaRPr b="0" lang="en-AU" sz="1600" spc="-1" strike="noStrike">
+              <a:latin typeface="Arial"/>
+            </a:endParaRPr>
+          </a:p>
+        </p:txBody>
+      </p:sp>
+    </p:spTree>
+  </p:cSld>
+  <mc:AlternateContent>
+    <mc:Choice Requires="p14">
+      <p:transition spd="slow" p14:dur="2000"/>
+    </mc:Choice>
+    <mc:Fallback>
+      <p:transition spd="slow"/>
+    </mc:Fallback>
+  </mc:AlternateContent>
+</p:sld>
+</file>
+
+<file path=ppt/slides/slide18.xml><?xml version="1.0" encoding="utf-8"?>
+<p:sld xmlns:a="http://schemas.openxmlformats.org/drawingml/2006/main" xmlns:p="http://schemas.openxmlformats.org/presentationml/2006/main" xmlns:r="http://schemas.openxmlformats.org/officeDocument/2006/relationships" xmlns:p14="http://schemas.microsoft.com/office/powerpoint/2010/main" xmlns:p15="http://schemas.microsoft.com/office/powerpoint/2012/main" xmlns:mc="http://schemas.openxmlformats.org/markup-compatibility/2006">
+  <p:cSld>
+    <p:spTree>
+      <p:nvGrpSpPr>
+        <p:cNvPr id="1" name=""/>
+        <p:cNvGrpSpPr/>
+        <p:nvPr/>
+      </p:nvGrpSpPr>
+      <p:grpSpPr>
+        <a:xfrm>
+          <a:off x="0" y="0"/>
+          <a:ext cx="0" cy="0"/>
+          <a:chOff x="0" y="0"/>
+          <a:chExt cx="0" cy="0"/>
+        </a:xfrm>
+      </p:grpSpPr>
+      <p:pic>
+        <p:nvPicPr>
+          <p:cNvPr id="149" name="" descr=""/>
+          <p:cNvPicPr/>
+          <p:nvPr/>
+        </p:nvPicPr>
+        <p:blipFill>
+          <a:blip r:embed="rId1"/>
+          <a:stretch/>
+        </p:blipFill>
+        <p:spPr>
+          <a:xfrm>
+            <a:off x="2584440" y="2592360"/>
+            <a:ext cx="5550840" cy="1282680"/>
+          </a:xfrm>
+          <a:prstGeom prst="rect">
+            <a:avLst/>
+          </a:prstGeom>
+          <a:ln>
+            <a:solidFill>
+              <a:srgbClr val="808080"/>
+            </a:solidFill>
+            <a:custDash>
+              <a:ds d="100000" sp="500000"/>
+              <a:ds d="100000" sp="500000"/>
+            </a:custDash>
+          </a:ln>
+        </p:spPr>
+      </p:pic>
+      <p:sp>
+        <p:nvSpPr>
+          <p:cNvPr id="150" name="CustomShape 1"/>
+          <p:cNvSpPr/>
+          <p:nvPr/>
+        </p:nvSpPr>
+        <p:spPr>
+          <a:xfrm>
+            <a:off x="1620000" y="216000"/>
+            <a:ext cx="8098920" cy="934920"/>
+          </a:xfrm>
+          <a:prstGeom prst="rect">
+            <a:avLst/>
+          </a:prstGeom>
+          <a:noFill/>
+          <a:ln>
+            <a:noFill/>
+          </a:ln>
+        </p:spPr>
+        <p:style>
+          <a:lnRef idx="0"/>
+          <a:fillRef idx="0"/>
+          <a:effectRef idx="0"/>
+          <a:fontRef idx="minor"/>
+        </p:style>
+        <p:txBody>
+          <a:bodyPr lIns="0" rIns="0" tIns="0" bIns="0" anchor="ctr">
+            <a:normAutofit/>
+          </a:bodyPr>
+          <a:p>
+            <a:pPr algn="ctr">
+              <a:lnSpc>
+                <a:spcPct val="100000"/>
+              </a:lnSpc>
+            </a:pPr>
+            <a:r>
+              <a:rPr b="0" lang="en-AU" sz="3300" spc="-1" strike="noStrike">
+                <a:solidFill>
+                  <a:srgbClr val="050505"/>
+                </a:solidFill>
+                <a:latin typeface="Times New Roman"/>
+                <a:ea typeface="DejaVu Sans"/>
+              </a:rPr>
+              <a:t>Model Training</a:t>
+            </a:r>
+            <a:endParaRPr b="0" lang="en-AU" sz="3300" spc="-1" strike="noStrike">
+              <a:latin typeface="Arial"/>
+            </a:endParaRPr>
+          </a:p>
+        </p:txBody>
+      </p:sp>
+      <p:sp>
+        <p:nvSpPr>
+          <p:cNvPr id="151" name="CustomShape 2"/>
+          <p:cNvSpPr/>
+          <p:nvPr/>
+        </p:nvSpPr>
+        <p:spPr>
+          <a:xfrm>
+            <a:off x="1440000" y="1152000"/>
+            <a:ext cx="8098920" cy="3287160"/>
+          </a:xfrm>
+          <a:prstGeom prst="rect">
+            <a:avLst/>
+          </a:prstGeom>
+          <a:noFill/>
+          <a:ln>
+            <a:noFill/>
+          </a:ln>
+        </p:spPr>
+        <p:style>
+          <a:lnRef idx="0"/>
+          <a:fillRef idx="0"/>
+          <a:effectRef idx="0"/>
+          <a:fontRef idx="minor"/>
+        </p:style>
+        <p:txBody>
+          <a:bodyPr lIns="0" rIns="0" tIns="0" bIns="0">
+            <a:normAutofit/>
+          </a:bodyPr>
+          <a:p>
+            <a:pPr marL="432000" indent="-322920">
+              <a:lnSpc>
+                <a:spcPct val="100000"/>
+              </a:lnSpc>
+              <a:spcAft>
+                <a:spcPts val="791"/>
+              </a:spcAft>
+              <a:buClr>
+                <a:srgbClr val="0066ff"/>
+              </a:buClr>
+              <a:buSzPct val="40000"/>
+              <a:buFont typeface="Wingdings" charset="2"/>
+              <a:buChar char=""/>
+            </a:pPr>
+            <a:r>
+              <a:rPr b="0" lang="en-AU" sz="1800" spc="-1" strike="noStrike">
+                <a:solidFill>
+                  <a:srgbClr val="050505"/>
+                </a:solidFill>
+                <a:latin typeface="Arial"/>
+                <a:ea typeface="DejaVu Sans"/>
+              </a:rPr>
+              <a:t>Text Classification Model Training</a:t>
+            </a:r>
+            <a:endParaRPr b="0" lang="en-AU" sz="1800" spc="-1" strike="noStrike">
+              <a:latin typeface="Arial"/>
+            </a:endParaRPr>
+          </a:p>
+        </p:txBody>
+      </p:sp>
+      <p:sp>
+        <p:nvSpPr>
+          <p:cNvPr id="152" name="CustomShape 3"/>
+          <p:cNvSpPr/>
+          <p:nvPr/>
+        </p:nvSpPr>
+        <p:spPr>
+          <a:xfrm>
             <a:off x="3050640" y="3528000"/>
-            <a:ext cx="620640" cy="575280"/>
+            <a:ext cx="620280" cy="574920"/>
           </a:xfrm>
           <a:custGeom>
             <a:avLst/>
@@ -7221,14 +7606,14 @@
       </p:sp>
       <p:sp>
         <p:nvSpPr>
-          <p:cNvPr id="148" name="CustomShape 4"/>
+          <p:cNvPr id="153" name="CustomShape 4"/>
           <p:cNvSpPr/>
           <p:nvPr/>
         </p:nvSpPr>
         <p:spPr>
           <a:xfrm>
             <a:off x="3050640" y="3528000"/>
-            <a:ext cx="620640" cy="575280"/>
+            <a:ext cx="620280" cy="574920"/>
           </a:xfrm>
           <a:custGeom>
             <a:avLst/>
@@ -8834,14 +9219,14 @@
       </p:sp>
       <p:sp>
         <p:nvSpPr>
-          <p:cNvPr id="149" name="CustomShape 5"/>
+          <p:cNvPr id="154" name="CustomShape 5"/>
           <p:cNvSpPr/>
           <p:nvPr/>
         </p:nvSpPr>
         <p:spPr>
           <a:xfrm>
             <a:off x="5282640" y="3528000"/>
-            <a:ext cx="620640" cy="575280"/>
+            <a:ext cx="620280" cy="574920"/>
           </a:xfrm>
           <a:custGeom>
             <a:avLst/>
@@ -10458,7 +10843,7 @@
 </p:sld>
 </file>
 
-<file path=ppt/slides/slide18.xml><?xml version="1.0" encoding="utf-8"?>
+<file path=ppt/slides/slide19.xml><?xml version="1.0" encoding="utf-8"?>
 <p:sld xmlns:a="http://schemas.openxmlformats.org/drawingml/2006/main" xmlns:p="http://schemas.openxmlformats.org/presentationml/2006/main" xmlns:r="http://schemas.openxmlformats.org/officeDocument/2006/relationships" xmlns:p14="http://schemas.microsoft.com/office/powerpoint/2010/main" xmlns:p15="http://schemas.microsoft.com/office/powerpoint/2012/main" xmlns:mc="http://schemas.openxmlformats.org/markup-compatibility/2006">
   <p:cSld>
     <p:spTree>
@@ -10477,14 +10862,14 @@
       </p:grpSpPr>
       <p:sp>
         <p:nvSpPr>
-          <p:cNvPr id="150" name="CustomShape 1"/>
+          <p:cNvPr id="155" name="CustomShape 1"/>
           <p:cNvSpPr/>
           <p:nvPr/>
         </p:nvSpPr>
         <p:spPr>
           <a:xfrm>
             <a:off x="1620000" y="216000"/>
-            <a:ext cx="8099280" cy="935280"/>
+            <a:ext cx="8098920" cy="934920"/>
           </a:xfrm>
           <a:prstGeom prst="rect">
             <a:avLst/>
@@ -10528,14 +10913,14 @@
       </p:sp>
       <p:sp>
         <p:nvSpPr>
-          <p:cNvPr id="151" name="CustomShape 2"/>
+          <p:cNvPr id="156" name="CustomShape 2"/>
           <p:cNvSpPr/>
           <p:nvPr/>
         </p:nvSpPr>
         <p:spPr>
           <a:xfrm>
             <a:off x="1440000" y="1152000"/>
-            <a:ext cx="8099280" cy="3287520"/>
+            <a:ext cx="8098920" cy="3287160"/>
           </a:xfrm>
           <a:prstGeom prst="rect">
             <a:avLst/>
@@ -10556,7 +10941,7 @@
             <a:normAutofit/>
           </a:bodyPr>
           <a:p>
-            <a:pPr marL="432000" indent="-323280">
+            <a:pPr marL="432000" indent="-322920">
               <a:lnSpc>
                 <a:spcPct val="100000"/>
               </a:lnSpc>
@@ -10588,7 +10973,7 @@
       </p:sp>
       <p:pic>
         <p:nvPicPr>
-          <p:cNvPr id="152" name="" descr=""/>
+          <p:cNvPr id="157" name="" descr=""/>
           <p:cNvPicPr/>
           <p:nvPr/>
         </p:nvPicPr>
@@ -10599,7 +10984,7 @@
         <p:spPr>
           <a:xfrm>
             <a:off x="144000" y="1728000"/>
-            <a:ext cx="4180320" cy="3085200"/>
+            <a:ext cx="4179960" cy="3084840"/>
           </a:xfrm>
           <a:prstGeom prst="rect">
             <a:avLst/>
@@ -10611,7 +10996,7 @@
       </p:pic>
       <p:pic>
         <p:nvPicPr>
-          <p:cNvPr id="153" name="" descr=""/>
+          <p:cNvPr id="158" name="" descr=""/>
           <p:cNvPicPr/>
           <p:nvPr/>
         </p:nvPicPr>
@@ -10622,7 +11007,7 @@
         <p:spPr>
           <a:xfrm>
             <a:off x="5760000" y="1764000"/>
-            <a:ext cx="4151880" cy="3056400"/>
+            <a:ext cx="4151520" cy="3056040"/>
           </a:xfrm>
           <a:prstGeom prst="rect">
             <a:avLst/>
@@ -10634,14 +11019,14 @@
       </p:pic>
       <p:sp>
         <p:nvSpPr>
-          <p:cNvPr id="154" name="CustomShape 3"/>
+          <p:cNvPr id="159" name="CustomShape 3"/>
           <p:cNvSpPr/>
           <p:nvPr/>
         </p:nvSpPr>
         <p:spPr>
           <a:xfrm>
             <a:off x="4716000" y="3132000"/>
-            <a:ext cx="495360" cy="315360"/>
+            <a:ext cx="495000" cy="315000"/>
           </a:xfrm>
           <a:prstGeom prst="rect">
             <a:avLst/>
@@ -10695,14 +11080,14 @@
       </p:sp>
       <p:sp>
         <p:nvSpPr>
-          <p:cNvPr id="155" name="CustomShape 4"/>
+          <p:cNvPr id="160" name="CustomShape 4"/>
           <p:cNvSpPr/>
           <p:nvPr/>
         </p:nvSpPr>
         <p:spPr>
           <a:xfrm>
             <a:off x="4176000" y="2808000"/>
-            <a:ext cx="1647720" cy="315360"/>
+            <a:ext cx="1647360" cy="315000"/>
           </a:xfrm>
           <a:prstGeom prst="rect">
             <a:avLst/>
@@ -10737,272 +11122,6 @@
                 <a:ea typeface="DejaVu Sans"/>
               </a:rPr>
               <a:t>Same technique</a:t>
-            </a:r>
-            <a:endParaRPr b="0" lang="en-AU" sz="1600" spc="-1" strike="noStrike">
-              <a:latin typeface="Arial"/>
-            </a:endParaRPr>
-          </a:p>
-        </p:txBody>
-      </p:sp>
-    </p:spTree>
-  </p:cSld>
-  <mc:AlternateContent>
-    <mc:Choice Requires="p14">
-      <p:transition spd="slow" p14:dur="2000"/>
-    </mc:Choice>
-    <mc:Fallback>
-      <p:transition spd="slow"/>
-    </mc:Fallback>
-  </mc:AlternateContent>
-</p:sld>
-</file>
-
-<file path=ppt/slides/slide19.xml><?xml version="1.0" encoding="utf-8"?>
-<p:sld xmlns:a="http://schemas.openxmlformats.org/drawingml/2006/main" xmlns:p="http://schemas.openxmlformats.org/presentationml/2006/main" xmlns:r="http://schemas.openxmlformats.org/officeDocument/2006/relationships" xmlns:p14="http://schemas.microsoft.com/office/powerpoint/2010/main" xmlns:p15="http://schemas.microsoft.com/office/powerpoint/2012/main" xmlns:mc="http://schemas.openxmlformats.org/markup-compatibility/2006">
-  <p:cSld>
-    <p:spTree>
-      <p:nvGrpSpPr>
-        <p:cNvPr id="1" name=""/>
-        <p:cNvGrpSpPr/>
-        <p:nvPr/>
-      </p:nvGrpSpPr>
-      <p:grpSpPr>
-        <a:xfrm>
-          <a:off x="0" y="0"/>
-          <a:ext cx="0" cy="0"/>
-          <a:chOff x="0" y="0"/>
-          <a:chExt cx="0" cy="0"/>
-        </a:xfrm>
-      </p:grpSpPr>
-      <p:pic>
-        <p:nvPicPr>
-          <p:cNvPr id="156" name="" descr=""/>
-          <p:cNvPicPr/>
-          <p:nvPr/>
-        </p:nvPicPr>
-        <p:blipFill>
-          <a:blip r:embed="rId1"/>
-          <a:stretch/>
-        </p:blipFill>
-        <p:spPr>
-          <a:xfrm>
-            <a:off x="627480" y="1492560"/>
-            <a:ext cx="9199800" cy="3541320"/>
-          </a:xfrm>
-          <a:prstGeom prst="rect">
-            <a:avLst/>
-          </a:prstGeom>
-          <a:ln>
-            <a:noFill/>
-          </a:ln>
-        </p:spPr>
-      </p:pic>
-      <p:sp>
-        <p:nvSpPr>
-          <p:cNvPr id="157" name="CustomShape 1"/>
-          <p:cNvSpPr/>
-          <p:nvPr/>
-        </p:nvSpPr>
-        <p:spPr>
-          <a:xfrm>
-            <a:off x="1620000" y="216000"/>
-            <a:ext cx="8099280" cy="935280"/>
-          </a:xfrm>
-          <a:prstGeom prst="rect">
-            <a:avLst/>
-          </a:prstGeom>
-          <a:noFill/>
-          <a:ln>
-            <a:noFill/>
-          </a:ln>
-        </p:spPr>
-        <p:style>
-          <a:lnRef idx="0"/>
-          <a:fillRef idx="0"/>
-          <a:effectRef idx="0"/>
-          <a:fontRef idx="minor"/>
-        </p:style>
-        <p:txBody>
-          <a:bodyPr lIns="0" rIns="0" tIns="0" bIns="0" anchor="ctr">
-            <a:normAutofit/>
-          </a:bodyPr>
-          <a:p>
-            <a:pPr algn="ctr">
-              <a:lnSpc>
-                <a:spcPct val="100000"/>
-              </a:lnSpc>
-            </a:pPr>
-            <a:r>
-              <a:rPr b="0" lang="en-AU" sz="3300" spc="-1" strike="noStrike">
-                <a:solidFill>
-                  <a:srgbClr val="050505"/>
-                </a:solidFill>
-                <a:latin typeface="Times New Roman"/>
-                <a:ea typeface="DejaVu Sans"/>
-              </a:rPr>
-              <a:t>Model Training</a:t>
-            </a:r>
-            <a:endParaRPr b="0" lang="en-AU" sz="3300" spc="-1" strike="noStrike">
-              <a:latin typeface="Arial"/>
-            </a:endParaRPr>
-          </a:p>
-        </p:txBody>
-      </p:sp>
-      <p:sp>
-        <p:nvSpPr>
-          <p:cNvPr id="158" name="CustomShape 2"/>
-          <p:cNvSpPr/>
-          <p:nvPr/>
-        </p:nvSpPr>
-        <p:spPr>
-          <a:xfrm>
-            <a:off x="1440000" y="1152000"/>
-            <a:ext cx="8099280" cy="3287520"/>
-          </a:xfrm>
-          <a:prstGeom prst="rect">
-            <a:avLst/>
-          </a:prstGeom>
-          <a:noFill/>
-          <a:ln>
-            <a:noFill/>
-          </a:ln>
-        </p:spPr>
-        <p:style>
-          <a:lnRef idx="0"/>
-          <a:fillRef idx="0"/>
-          <a:effectRef idx="0"/>
-          <a:fontRef idx="minor"/>
-        </p:style>
-        <p:txBody>
-          <a:bodyPr lIns="0" rIns="0" tIns="0" bIns="0">
-            <a:normAutofit/>
-          </a:bodyPr>
-          <a:p>
-            <a:pPr marL="432000" indent="-323280">
-              <a:lnSpc>
-                <a:spcPct val="100000"/>
-              </a:lnSpc>
-              <a:spcAft>
-                <a:spcPts val="791"/>
-              </a:spcAft>
-              <a:buClr>
-                <a:srgbClr val="0066ff"/>
-              </a:buClr>
-              <a:buSzPct val="40000"/>
-              <a:buFont typeface="Wingdings" charset="2"/>
-              <a:buChar char=""/>
-            </a:pPr>
-            <a:r>
-              <a:rPr b="0" lang="en-AU" sz="1800" spc="-1" strike="noStrike">
-                <a:solidFill>
-                  <a:srgbClr val="050505"/>
-                </a:solidFill>
-                <a:latin typeface="Arial"/>
-                <a:ea typeface="DejaVu Sans"/>
-              </a:rPr>
-              <a:t>Text Classification – Training Model</a:t>
-            </a:r>
-            <a:endParaRPr b="0" lang="en-AU" sz="1800" spc="-1" strike="noStrike">
-              <a:latin typeface="Arial"/>
-            </a:endParaRPr>
-          </a:p>
-        </p:txBody>
-      </p:sp>
-      <p:sp>
-        <p:nvSpPr>
-          <p:cNvPr id="159" name="CustomShape 3"/>
-          <p:cNvSpPr/>
-          <p:nvPr/>
-        </p:nvSpPr>
-        <p:spPr>
-          <a:xfrm>
-            <a:off x="1807920" y="5011920"/>
-            <a:ext cx="3270600" cy="315360"/>
-          </a:xfrm>
-          <a:prstGeom prst="rect">
-            <a:avLst/>
-          </a:prstGeom>
-          <a:noFill/>
-          <a:ln>
-            <a:noFill/>
-          </a:ln>
-        </p:spPr>
-        <p:style>
-          <a:lnRef idx="0"/>
-          <a:fillRef idx="0"/>
-          <a:effectRef idx="0"/>
-          <a:fontRef idx="minor"/>
-        </p:style>
-        <p:txBody>
-          <a:bodyPr lIns="90000" rIns="90000" tIns="45000" bIns="45000">
-            <a:noAutofit/>
-          </a:bodyPr>
-          <a:p>
-            <a:pPr>
-              <a:lnSpc>
-                <a:spcPct val="100000"/>
-              </a:lnSpc>
-            </a:pPr>
-            <a:r>
-              <a:rPr b="1" i="1" lang="en-AU" sz="1600" spc="-1" strike="noStrike">
-                <a:solidFill>
-                  <a:srgbClr val="000000"/>
-                </a:solidFill>
-                <a:latin typeface="Arial"/>
-                <a:ea typeface="DejaVu Sans"/>
-              </a:rPr>
-              <a:t>Trained with Over-sampled Data</a:t>
-            </a:r>
-            <a:endParaRPr b="0" lang="en-AU" sz="1600" spc="-1" strike="noStrike">
-              <a:latin typeface="Arial"/>
-            </a:endParaRPr>
-          </a:p>
-        </p:txBody>
-      </p:sp>
-      <p:sp>
-        <p:nvSpPr>
-          <p:cNvPr id="160" name="CustomShape 4"/>
-          <p:cNvSpPr/>
-          <p:nvPr/>
-        </p:nvSpPr>
-        <p:spPr>
-          <a:xfrm>
-            <a:off x="5944680" y="5011920"/>
-            <a:ext cx="2685600" cy="315360"/>
-          </a:xfrm>
-          <a:prstGeom prst="rect">
-            <a:avLst/>
-          </a:prstGeom>
-          <a:noFill/>
-          <a:ln>
-            <a:noFill/>
-          </a:ln>
-        </p:spPr>
-        <p:style>
-          <a:lnRef idx="0"/>
-          <a:fillRef idx="0"/>
-          <a:effectRef idx="0"/>
-          <a:fontRef idx="minor"/>
-        </p:style>
-        <p:txBody>
-          <a:bodyPr lIns="90000" rIns="90000" tIns="45000" bIns="45000">
-            <a:noAutofit/>
-          </a:bodyPr>
-          <a:p>
-            <a:pPr>
-              <a:lnSpc>
-                <a:spcPct val="100000"/>
-              </a:lnSpc>
-            </a:pPr>
-            <a:r>
-              <a:rPr b="1" i="1" lang="en-AU" sz="1600" spc="-1" strike="noStrike">
-                <a:solidFill>
-                  <a:srgbClr val="000000"/>
-                </a:solidFill>
-                <a:latin typeface="Arial"/>
-                <a:ea typeface="DejaVu Sans"/>
-              </a:rPr>
-              <a:t>Trained with Original Data</a:t>
             </a:r>
             <a:endParaRPr b="0" lang="en-AU" sz="1600" spc="-1" strike="noStrike">
               <a:latin typeface="Arial"/>
@@ -11049,7 +11168,7 @@
         <p:spPr>
           <a:xfrm>
             <a:off x="1620000" y="216000"/>
-            <a:ext cx="8099280" cy="935280"/>
+            <a:ext cx="8098920" cy="934920"/>
           </a:xfrm>
           <a:prstGeom prst="rect">
             <a:avLst/>
@@ -11104,7 +11223,7 @@
         <p:spPr>
           <a:xfrm>
             <a:off x="1548000" y="1092600"/>
-            <a:ext cx="8351280" cy="4090680"/>
+            <a:ext cx="8350920" cy="4090320"/>
           </a:xfrm>
           <a:prstGeom prst="rect">
             <a:avLst/>
@@ -11114,6 +11233,272 @@
           </a:ln>
         </p:spPr>
       </p:pic>
+    </p:spTree>
+  </p:cSld>
+  <mc:AlternateContent>
+    <mc:Choice Requires="p14">
+      <p:transition spd="slow" p14:dur="2000"/>
+    </mc:Choice>
+    <mc:Fallback>
+      <p:transition spd="slow"/>
+    </mc:Fallback>
+  </mc:AlternateContent>
+</p:sld>
+</file>
+
+<file path=ppt/slides/slide20.xml><?xml version="1.0" encoding="utf-8"?>
+<p:sld xmlns:a="http://schemas.openxmlformats.org/drawingml/2006/main" xmlns:p="http://schemas.openxmlformats.org/presentationml/2006/main" xmlns:r="http://schemas.openxmlformats.org/officeDocument/2006/relationships" xmlns:p14="http://schemas.microsoft.com/office/powerpoint/2010/main" xmlns:p15="http://schemas.microsoft.com/office/powerpoint/2012/main" xmlns:mc="http://schemas.openxmlformats.org/markup-compatibility/2006">
+  <p:cSld>
+    <p:spTree>
+      <p:nvGrpSpPr>
+        <p:cNvPr id="1" name=""/>
+        <p:cNvGrpSpPr/>
+        <p:nvPr/>
+      </p:nvGrpSpPr>
+      <p:grpSpPr>
+        <a:xfrm>
+          <a:off x="0" y="0"/>
+          <a:ext cx="0" cy="0"/>
+          <a:chOff x="0" y="0"/>
+          <a:chExt cx="0" cy="0"/>
+        </a:xfrm>
+      </p:grpSpPr>
+      <p:pic>
+        <p:nvPicPr>
+          <p:cNvPr id="161" name="" descr=""/>
+          <p:cNvPicPr/>
+          <p:nvPr/>
+        </p:nvPicPr>
+        <p:blipFill>
+          <a:blip r:embed="rId1"/>
+          <a:stretch/>
+        </p:blipFill>
+        <p:spPr>
+          <a:xfrm>
+            <a:off x="627480" y="1492560"/>
+            <a:ext cx="9199440" cy="3540960"/>
+          </a:xfrm>
+          <a:prstGeom prst="rect">
+            <a:avLst/>
+          </a:prstGeom>
+          <a:ln>
+            <a:noFill/>
+          </a:ln>
+        </p:spPr>
+      </p:pic>
+      <p:sp>
+        <p:nvSpPr>
+          <p:cNvPr id="162" name="CustomShape 1"/>
+          <p:cNvSpPr/>
+          <p:nvPr/>
+        </p:nvSpPr>
+        <p:spPr>
+          <a:xfrm>
+            <a:off x="1620000" y="216000"/>
+            <a:ext cx="8098920" cy="934920"/>
+          </a:xfrm>
+          <a:prstGeom prst="rect">
+            <a:avLst/>
+          </a:prstGeom>
+          <a:noFill/>
+          <a:ln>
+            <a:noFill/>
+          </a:ln>
+        </p:spPr>
+        <p:style>
+          <a:lnRef idx="0"/>
+          <a:fillRef idx="0"/>
+          <a:effectRef idx="0"/>
+          <a:fontRef idx="minor"/>
+        </p:style>
+        <p:txBody>
+          <a:bodyPr lIns="0" rIns="0" tIns="0" bIns="0" anchor="ctr">
+            <a:normAutofit/>
+          </a:bodyPr>
+          <a:p>
+            <a:pPr algn="ctr">
+              <a:lnSpc>
+                <a:spcPct val="100000"/>
+              </a:lnSpc>
+            </a:pPr>
+            <a:r>
+              <a:rPr b="0" lang="en-AU" sz="3300" spc="-1" strike="noStrike">
+                <a:solidFill>
+                  <a:srgbClr val="050505"/>
+                </a:solidFill>
+                <a:latin typeface="Times New Roman"/>
+                <a:ea typeface="DejaVu Sans"/>
+              </a:rPr>
+              <a:t>Model Training</a:t>
+            </a:r>
+            <a:endParaRPr b="0" lang="en-AU" sz="3300" spc="-1" strike="noStrike">
+              <a:latin typeface="Arial"/>
+            </a:endParaRPr>
+          </a:p>
+        </p:txBody>
+      </p:sp>
+      <p:sp>
+        <p:nvSpPr>
+          <p:cNvPr id="163" name="CustomShape 2"/>
+          <p:cNvSpPr/>
+          <p:nvPr/>
+        </p:nvSpPr>
+        <p:spPr>
+          <a:xfrm>
+            <a:off x="1440000" y="1152000"/>
+            <a:ext cx="8098920" cy="3287160"/>
+          </a:xfrm>
+          <a:prstGeom prst="rect">
+            <a:avLst/>
+          </a:prstGeom>
+          <a:noFill/>
+          <a:ln>
+            <a:noFill/>
+          </a:ln>
+        </p:spPr>
+        <p:style>
+          <a:lnRef idx="0"/>
+          <a:fillRef idx="0"/>
+          <a:effectRef idx="0"/>
+          <a:fontRef idx="minor"/>
+        </p:style>
+        <p:txBody>
+          <a:bodyPr lIns="0" rIns="0" tIns="0" bIns="0">
+            <a:normAutofit/>
+          </a:bodyPr>
+          <a:p>
+            <a:pPr marL="432000" indent="-322920">
+              <a:lnSpc>
+                <a:spcPct val="100000"/>
+              </a:lnSpc>
+              <a:spcAft>
+                <a:spcPts val="791"/>
+              </a:spcAft>
+              <a:buClr>
+                <a:srgbClr val="0066ff"/>
+              </a:buClr>
+              <a:buSzPct val="40000"/>
+              <a:buFont typeface="Wingdings" charset="2"/>
+              <a:buChar char=""/>
+            </a:pPr>
+            <a:r>
+              <a:rPr b="0" lang="en-AU" sz="1800" spc="-1" strike="noStrike">
+                <a:solidFill>
+                  <a:srgbClr val="050505"/>
+                </a:solidFill>
+                <a:latin typeface="Arial"/>
+                <a:ea typeface="DejaVu Sans"/>
+              </a:rPr>
+              <a:t>Text Classification – Training Model</a:t>
+            </a:r>
+            <a:endParaRPr b="0" lang="en-AU" sz="1800" spc="-1" strike="noStrike">
+              <a:latin typeface="Arial"/>
+            </a:endParaRPr>
+          </a:p>
+        </p:txBody>
+      </p:sp>
+      <p:sp>
+        <p:nvSpPr>
+          <p:cNvPr id="164" name="CustomShape 3"/>
+          <p:cNvSpPr/>
+          <p:nvPr/>
+        </p:nvSpPr>
+        <p:spPr>
+          <a:xfrm>
+            <a:off x="1807920" y="5011920"/>
+            <a:ext cx="3270240" cy="315000"/>
+          </a:xfrm>
+          <a:prstGeom prst="rect">
+            <a:avLst/>
+          </a:prstGeom>
+          <a:noFill/>
+          <a:ln>
+            <a:noFill/>
+          </a:ln>
+        </p:spPr>
+        <p:style>
+          <a:lnRef idx="0"/>
+          <a:fillRef idx="0"/>
+          <a:effectRef idx="0"/>
+          <a:fontRef idx="minor"/>
+        </p:style>
+        <p:txBody>
+          <a:bodyPr lIns="90000" rIns="90000" tIns="45000" bIns="45000">
+            <a:noAutofit/>
+          </a:bodyPr>
+          <a:p>
+            <a:pPr>
+              <a:lnSpc>
+                <a:spcPct val="100000"/>
+              </a:lnSpc>
+            </a:pPr>
+            <a:r>
+              <a:rPr b="1" i="1" lang="en-AU" sz="1600" spc="-1" strike="noStrike">
+                <a:solidFill>
+                  <a:srgbClr val="000000"/>
+                </a:solidFill>
+                <a:latin typeface="Arial"/>
+                <a:ea typeface="DejaVu Sans"/>
+              </a:rPr>
+              <a:t>Trained with Over-sampled Data</a:t>
+            </a:r>
+            <a:endParaRPr b="0" lang="en-AU" sz="1600" spc="-1" strike="noStrike">
+              <a:latin typeface="Arial"/>
+            </a:endParaRPr>
+          </a:p>
+        </p:txBody>
+      </p:sp>
+      <p:sp>
+        <p:nvSpPr>
+          <p:cNvPr id="165" name="CustomShape 4"/>
+          <p:cNvSpPr/>
+          <p:nvPr/>
+        </p:nvSpPr>
+        <p:spPr>
+          <a:xfrm>
+            <a:off x="5944680" y="5011920"/>
+            <a:ext cx="2685240" cy="315000"/>
+          </a:xfrm>
+          <a:prstGeom prst="rect">
+            <a:avLst/>
+          </a:prstGeom>
+          <a:noFill/>
+          <a:ln>
+            <a:noFill/>
+          </a:ln>
+        </p:spPr>
+        <p:style>
+          <a:lnRef idx="0"/>
+          <a:fillRef idx="0"/>
+          <a:effectRef idx="0"/>
+          <a:fontRef idx="minor"/>
+        </p:style>
+        <p:txBody>
+          <a:bodyPr lIns="90000" rIns="90000" tIns="45000" bIns="45000">
+            <a:noAutofit/>
+          </a:bodyPr>
+          <a:p>
+            <a:pPr>
+              <a:lnSpc>
+                <a:spcPct val="100000"/>
+              </a:lnSpc>
+            </a:pPr>
+            <a:r>
+              <a:rPr b="1" i="1" lang="en-AU" sz="1600" spc="-1" strike="noStrike">
+                <a:solidFill>
+                  <a:srgbClr val="000000"/>
+                </a:solidFill>
+                <a:latin typeface="Arial"/>
+                <a:ea typeface="DejaVu Sans"/>
+              </a:rPr>
+              <a:t>Trained with Original Data</a:t>
+            </a:r>
+            <a:endParaRPr b="0" lang="en-AU" sz="1600" spc="-1" strike="noStrike">
+              <a:latin typeface="Arial"/>
+            </a:endParaRPr>
+          </a:p>
+        </p:txBody>
+      </p:sp>
     </p:spTree>
   </p:cSld>
   <mc:AlternateContent>
@@ -11153,7 +11538,7 @@
         <p:spPr>
           <a:xfrm>
             <a:off x="1620000" y="216000"/>
-            <a:ext cx="8099280" cy="935280"/>
+            <a:ext cx="8098920" cy="934920"/>
           </a:xfrm>
           <a:prstGeom prst="rect">
             <a:avLst/>
@@ -11197,14 +11582,14 @@
       </p:sp>
       <p:sp>
         <p:nvSpPr>
-          <p:cNvPr id="84" name="TextShape 2"/>
-          <p:cNvSpPr txBox="1"/>
+          <p:cNvPr id="84" name="CustomShape 2"/>
+          <p:cNvSpPr/>
           <p:nvPr/>
         </p:nvSpPr>
         <p:spPr>
           <a:xfrm>
             <a:off x="2372400" y="2304000"/>
-            <a:ext cx="2019600" cy="2050200"/>
+            <a:ext cx="2019240" cy="2049840"/>
           </a:xfrm>
           <a:prstGeom prst="rect">
             <a:avLst/>
@@ -11214,11 +11599,22 @@
             <a:noFill/>
           </a:ln>
         </p:spPr>
+        <p:style>
+          <a:lnRef idx="0"/>
+          <a:fillRef idx="0"/>
+          <a:effectRef idx="0"/>
+          <a:fontRef idx="minor"/>
+        </p:style>
         <p:txBody>
           <a:bodyPr lIns="90000" rIns="90000" tIns="45000" bIns="45000">
             <a:noAutofit/>
           </a:bodyPr>
           <a:p>
+            <a:pPr>
+              <a:lnSpc>
+                <a:spcPct val="100000"/>
+              </a:lnSpc>
+            </a:pPr>
             <a:r>
               <a:rPr b="1" lang="en-AU" sz="1000" spc="-1" strike="noStrike">
                 <a:latin typeface="Arial"/>
@@ -11230,6 +11626,11 @@
             </a:endParaRPr>
           </a:p>
           <a:p>
+            <a:pPr>
+              <a:lnSpc>
+                <a:spcPct val="100000"/>
+              </a:lnSpc>
+            </a:pPr>
             <a:r>
               <a:rPr b="1" lang="en-AU" sz="1000" spc="-1" strike="noStrike">
                 <a:latin typeface="Arial"/>
@@ -11241,6 +11642,11 @@
             </a:endParaRPr>
           </a:p>
           <a:p>
+            <a:pPr>
+              <a:lnSpc>
+                <a:spcPct val="100000"/>
+              </a:lnSpc>
+            </a:pPr>
             <a:r>
               <a:rPr b="0" lang="en-AU" sz="1000" spc="-1" strike="noStrike">
                 <a:latin typeface="Arial"/>
@@ -11258,6 +11664,11 @@
             </a:endParaRPr>
           </a:p>
           <a:p>
+            <a:pPr>
+              <a:lnSpc>
+                <a:spcPct val="100000"/>
+              </a:lnSpc>
+            </a:pPr>
             <a:r>
               <a:rPr b="0" lang="en-AU" sz="1000" spc="-1" strike="noStrike">
                 <a:latin typeface="Arial"/>
@@ -11275,6 +11686,11 @@
             </a:endParaRPr>
           </a:p>
           <a:p>
+            <a:pPr>
+              <a:lnSpc>
+                <a:spcPct val="100000"/>
+              </a:lnSpc>
+            </a:pPr>
             <a:endParaRPr b="0" lang="en-AU" sz="1000" spc="-1" strike="noStrike">
               <a:latin typeface="Arial"/>
             </a:endParaRPr>
@@ -11283,14 +11699,14 @@
       </p:sp>
       <p:sp>
         <p:nvSpPr>
-          <p:cNvPr id="85" name="TextShape 3"/>
-          <p:cNvSpPr txBox="1"/>
+          <p:cNvPr id="85" name="CustomShape 3"/>
+          <p:cNvSpPr/>
           <p:nvPr/>
         </p:nvSpPr>
         <p:spPr>
           <a:xfrm>
             <a:off x="5112000" y="2232000"/>
-            <a:ext cx="3891600" cy="3449160"/>
+            <a:ext cx="3891240" cy="3448800"/>
           </a:xfrm>
           <a:prstGeom prst="rect">
             <a:avLst/>
@@ -11300,11 +11716,22 @@
             <a:noFill/>
           </a:ln>
         </p:spPr>
+        <p:style>
+          <a:lnRef idx="0"/>
+          <a:fillRef idx="0"/>
+          <a:effectRef idx="0"/>
+          <a:fontRef idx="minor"/>
+        </p:style>
         <p:txBody>
           <a:bodyPr lIns="90000" rIns="90000" tIns="45000" bIns="45000">
             <a:noAutofit/>
           </a:bodyPr>
           <a:p>
+            <a:pPr>
+              <a:lnSpc>
+                <a:spcPct val="100000"/>
+              </a:lnSpc>
+            </a:pPr>
             <a:r>
               <a:rPr b="1" lang="en-AU" sz="1000" spc="-1" strike="noStrike">
                 <a:latin typeface="Arial"/>
@@ -11316,6 +11743,11 @@
             </a:endParaRPr>
           </a:p>
           <a:p>
+            <a:pPr>
+              <a:lnSpc>
+                <a:spcPct val="100000"/>
+              </a:lnSpc>
+            </a:pPr>
             <a:r>
               <a:rPr b="1" lang="en-AU" sz="1000" spc="-1" strike="noStrike">
                 <a:latin typeface="Arial"/>
@@ -11327,6 +11759,11 @@
             </a:endParaRPr>
           </a:p>
           <a:p>
+            <a:pPr>
+              <a:lnSpc>
+                <a:spcPct val="100000"/>
+              </a:lnSpc>
+            </a:pPr>
             <a:r>
               <a:rPr b="1" lang="en-AU" sz="1000" spc="-1" strike="noStrike">
                 <a:latin typeface="Arial"/>
@@ -11338,6 +11775,11 @@
             </a:endParaRPr>
           </a:p>
           <a:p>
+            <a:pPr>
+              <a:lnSpc>
+                <a:spcPct val="100000"/>
+              </a:lnSpc>
+            </a:pPr>
             <a:r>
               <a:rPr b="1" lang="en-AU" sz="1000" spc="-1" strike="noStrike">
                 <a:latin typeface="Arial"/>
@@ -11349,6 +11791,11 @@
             </a:endParaRPr>
           </a:p>
           <a:p>
+            <a:pPr>
+              <a:lnSpc>
+                <a:spcPct val="100000"/>
+              </a:lnSpc>
+            </a:pPr>
             <a:r>
               <a:rPr b="1" lang="en-AU" sz="1000" spc="-1" strike="noStrike">
                 <a:latin typeface="Arial"/>
@@ -11360,6 +11807,11 @@
             </a:endParaRPr>
           </a:p>
           <a:p>
+            <a:pPr>
+              <a:lnSpc>
+                <a:spcPct val="100000"/>
+              </a:lnSpc>
+            </a:pPr>
             <a:r>
               <a:rPr b="1" lang="en-AU" sz="1000" spc="-1" strike="noStrike">
                 <a:latin typeface="Arial"/>
@@ -11371,6 +11823,11 @@
             </a:endParaRPr>
           </a:p>
           <a:p>
+            <a:pPr>
+              <a:lnSpc>
+                <a:spcPct val="100000"/>
+              </a:lnSpc>
+            </a:pPr>
             <a:endParaRPr b="0" lang="en-AU" sz="1000" spc="-1" strike="noStrike">
               <a:latin typeface="Arial"/>
             </a:endParaRPr>
@@ -11416,7 +11873,7 @@
         <p:spPr>
           <a:xfrm>
             <a:off x="1620000" y="216000"/>
-            <a:ext cx="8099280" cy="935280"/>
+            <a:ext cx="8098920" cy="934920"/>
           </a:xfrm>
           <a:prstGeom prst="rect">
             <a:avLst/>
@@ -11467,7 +11924,7 @@
         <p:spPr>
           <a:xfrm>
             <a:off x="1850040" y="1224000"/>
-            <a:ext cx="4845240" cy="3113280"/>
+            <a:ext cx="4844880" cy="3112920"/>
           </a:xfrm>
           <a:prstGeom prst="rect">
             <a:avLst/>
@@ -11493,7 +11950,7 @@
                 <a:spcPct val="100000"/>
               </a:lnSpc>
             </a:pPr>
-            <a:endParaRPr b="0" lang="en-AU" sz="1800" spc="-1" strike="noStrike">
+            <a:endParaRPr b="0" lang="en-AU" sz="2400" spc="-1" strike="noStrike">
               <a:latin typeface="Arial"/>
             </a:endParaRPr>
           </a:p>
@@ -11687,8 +12144,8 @@
         </p:nvSpPr>
         <p:spPr>
           <a:xfrm rot="16200000">
-            <a:off x="7391520" y="1218960"/>
-            <a:ext cx="432720" cy="447480"/>
+            <a:off x="7391520" y="1219320"/>
+            <a:ext cx="432360" cy="447120"/>
           </a:xfrm>
           <a:custGeom>
             <a:avLst/>
@@ -13987,7 +14444,7 @@
         <p:spPr>
           <a:xfrm>
             <a:off x="1332000" y="792000"/>
-            <a:ext cx="8099280" cy="3287520"/>
+            <a:ext cx="8098920" cy="3287160"/>
           </a:xfrm>
           <a:prstGeom prst="rect">
             <a:avLst/>
@@ -14008,7 +14465,7 @@
             <a:normAutofit/>
           </a:bodyPr>
           <a:p>
-            <a:pPr marL="432000" indent="-323280">
+            <a:pPr marL="432000" indent="-322920">
               <a:lnSpc>
                 <a:spcPct val="100000"/>
               </a:lnSpc>
@@ -14037,7 +14494,7 @@
             </a:endParaRPr>
           </a:p>
           <a:p>
-            <a:pPr marL="432000" indent="-323280">
+            <a:pPr marL="432000" indent="-322920">
               <a:lnSpc>
                 <a:spcPct val="100000"/>
               </a:lnSpc>
@@ -14066,7 +14523,7 @@
             </a:endParaRPr>
           </a:p>
           <a:p>
-            <a:pPr marL="432000" indent="-323280">
+            <a:pPr marL="432000" indent="-322920">
               <a:lnSpc>
                 <a:spcPct val="100000"/>
               </a:lnSpc>
@@ -14105,7 +14562,7 @@
         <p:spPr>
           <a:xfrm>
             <a:off x="1620000" y="216000"/>
-            <a:ext cx="8099280" cy="935280"/>
+            <a:ext cx="8098920" cy="934920"/>
           </a:xfrm>
           <a:prstGeom prst="rect">
             <a:avLst/>
@@ -14163,7 +14620,7 @@
         <p:spPr>
           <a:xfrm>
             <a:off x="1368000" y="1764000"/>
-            <a:ext cx="8567280" cy="3852720"/>
+            <a:ext cx="8566920" cy="3852360"/>
           </a:xfrm>
           <a:prstGeom prst="rect">
             <a:avLst/>
@@ -14212,7 +14669,7 @@
         <p:spPr>
           <a:xfrm>
             <a:off x="1332000" y="1368000"/>
-            <a:ext cx="8099280" cy="3287520"/>
+            <a:ext cx="8098920" cy="3287160"/>
           </a:xfrm>
           <a:prstGeom prst="rect">
             <a:avLst/>
@@ -14233,7 +14690,7 @@
             <a:normAutofit fontScale="91000"/>
           </a:bodyPr>
           <a:p>
-            <a:pPr marL="432000" indent="-323280">
+            <a:pPr marL="432000" indent="-322920">
               <a:lnSpc>
                 <a:spcPct val="100000"/>
               </a:lnSpc>
@@ -14262,7 +14719,7 @@
             </a:endParaRPr>
           </a:p>
           <a:p>
-            <a:pPr marL="432000" indent="-323280">
+            <a:pPr marL="432000" indent="-322920">
               <a:lnSpc>
                 <a:spcPct val="100000"/>
               </a:lnSpc>
@@ -14291,7 +14748,7 @@
             </a:endParaRPr>
           </a:p>
           <a:p>
-            <a:pPr marL="432000" indent="-323280">
+            <a:pPr marL="432000" indent="-322920">
               <a:lnSpc>
                 <a:spcPct val="100000"/>
               </a:lnSpc>
@@ -14320,7 +14777,7 @@
             </a:endParaRPr>
           </a:p>
           <a:p>
-            <a:pPr marL="432000" indent="-323280">
+            <a:pPr marL="432000" indent="-322920">
               <a:lnSpc>
                 <a:spcPct val="100000"/>
               </a:lnSpc>
@@ -14349,7 +14806,7 @@
             </a:endParaRPr>
           </a:p>
           <a:p>
-            <a:pPr marL="432000" indent="-323280">
+            <a:pPr marL="432000" indent="-322920">
               <a:lnSpc>
                 <a:spcPct val="100000"/>
               </a:lnSpc>
@@ -14378,7 +14835,7 @@
             </a:endParaRPr>
           </a:p>
           <a:p>
-            <a:pPr marL="432000" indent="-323280">
+            <a:pPr marL="432000" indent="-322920">
               <a:lnSpc>
                 <a:spcPct val="100000"/>
               </a:lnSpc>
@@ -14407,7 +14864,7 @@
             </a:endParaRPr>
           </a:p>
           <a:p>
-            <a:pPr marL="432000" indent="-323280">
+            <a:pPr marL="432000" indent="-322920">
               <a:lnSpc>
                 <a:spcPct val="100000"/>
               </a:lnSpc>
@@ -14436,7 +14893,7 @@
             </a:endParaRPr>
           </a:p>
           <a:p>
-            <a:pPr marL="432000" indent="-323280">
+            <a:pPr marL="432000" indent="-322920">
               <a:lnSpc>
                 <a:spcPct val="100000"/>
               </a:lnSpc>
@@ -14465,7 +14922,7 @@
             </a:endParaRPr>
           </a:p>
           <a:p>
-            <a:pPr marL="432000" indent="-323280">
+            <a:pPr marL="432000" indent="-322920">
               <a:lnSpc>
                 <a:spcPct val="100000"/>
               </a:lnSpc>
@@ -14494,7 +14951,7 @@
             </a:endParaRPr>
           </a:p>
           <a:p>
-            <a:pPr marL="432000" indent="-323280">
+            <a:pPr marL="432000" indent="-322920">
               <a:lnSpc>
                 <a:spcPct val="100000"/>
               </a:lnSpc>
@@ -14533,7 +14990,7 @@
         <p:spPr>
           <a:xfrm>
             <a:off x="1620000" y="216000"/>
-            <a:ext cx="8099280" cy="935280"/>
+            <a:ext cx="8098920" cy="934920"/>
           </a:xfrm>
           <a:prstGeom prst="rect">
             <a:avLst/>
@@ -14591,7 +15048,7 @@
         <p:spPr>
           <a:xfrm>
             <a:off x="3564000" y="998640"/>
-            <a:ext cx="5903280" cy="4646880"/>
+            <a:ext cx="5902920" cy="4646520"/>
           </a:xfrm>
           <a:prstGeom prst="rect">
             <a:avLst/>
@@ -14640,7 +15097,7 @@
         <p:spPr>
           <a:xfrm>
             <a:off x="1620000" y="216000"/>
-            <a:ext cx="8099280" cy="935280"/>
+            <a:ext cx="8098920" cy="934920"/>
           </a:xfrm>
           <a:prstGeom prst="rect">
             <a:avLst/>
@@ -14694,7 +15151,7 @@
         <p:spPr>
           <a:xfrm>
             <a:off x="1404000" y="1463760"/>
-            <a:ext cx="8099280" cy="3287520"/>
+            <a:ext cx="8098920" cy="3287160"/>
           </a:xfrm>
           <a:prstGeom prst="rect">
             <a:avLst/>
@@ -14715,7 +15172,7 @@
             <a:normAutofit fontScale="47000"/>
           </a:bodyPr>
           <a:p>
-            <a:pPr marL="432000" indent="-323280">
+            <a:pPr marL="432000" indent="-322920">
               <a:lnSpc>
                 <a:spcPct val="100000"/>
               </a:lnSpc>
@@ -14744,7 +15201,7 @@
             </a:endParaRPr>
           </a:p>
           <a:p>
-            <a:pPr marL="432000" indent="-323280">
+            <a:pPr marL="432000" indent="-322920">
               <a:lnSpc>
                 <a:spcPct val="100000"/>
               </a:lnSpc>
@@ -14773,7 +15230,7 @@
             </a:endParaRPr>
           </a:p>
           <a:p>
-            <a:pPr lvl="1" marL="864000" indent="-323280">
+            <a:pPr lvl="1" marL="864000" indent="-322920">
               <a:lnSpc>
                 <a:spcPct val="100000"/>
               </a:lnSpc>
@@ -14802,7 +15259,7 @@
             </a:endParaRPr>
           </a:p>
           <a:p>
-            <a:pPr lvl="1" marL="864000" indent="-323280">
+            <a:pPr lvl="1" marL="864000" indent="-322920">
               <a:lnSpc>
                 <a:spcPct val="100000"/>
               </a:lnSpc>
@@ -14831,7 +15288,7 @@
             </a:endParaRPr>
           </a:p>
           <a:p>
-            <a:pPr marL="432000" indent="-323280">
+            <a:pPr marL="432000" indent="-322920">
               <a:lnSpc>
                 <a:spcPct val="100000"/>
               </a:lnSpc>
@@ -14860,7 +15317,7 @@
             </a:endParaRPr>
           </a:p>
           <a:p>
-            <a:pPr lvl="1" marL="864000" indent="-323280">
+            <a:pPr lvl="1" marL="864000" indent="-322920">
               <a:lnSpc>
                 <a:spcPct val="100000"/>
               </a:lnSpc>
@@ -14889,7 +15346,7 @@
             </a:endParaRPr>
           </a:p>
           <a:p>
-            <a:pPr lvl="1" marL="864000" indent="-323280">
+            <a:pPr lvl="1" marL="864000" indent="-322920">
               <a:lnSpc>
                 <a:spcPct val="100000"/>
               </a:lnSpc>
@@ -14918,7 +15375,7 @@
             </a:endParaRPr>
           </a:p>
           <a:p>
-            <a:pPr lvl="1" marL="864000" indent="-323280">
+            <a:pPr lvl="1" marL="864000" indent="-322920">
               <a:lnSpc>
                 <a:spcPct val="100000"/>
               </a:lnSpc>
@@ -14947,7 +15404,7 @@
             </a:endParaRPr>
           </a:p>
           <a:p>
-            <a:pPr lvl="1" marL="864000" indent="-323280">
+            <a:pPr lvl="1" marL="864000" indent="-322920">
               <a:lnSpc>
                 <a:spcPct val="100000"/>
               </a:lnSpc>
@@ -14976,7 +15433,7 @@
             </a:endParaRPr>
           </a:p>
           <a:p>
-            <a:pPr lvl="1" marL="864000" indent="-323280">
+            <a:pPr lvl="1" marL="864000" indent="-322920">
               <a:lnSpc>
                 <a:spcPct val="100000"/>
               </a:lnSpc>
@@ -15005,7 +15462,7 @@
             </a:endParaRPr>
           </a:p>
           <a:p>
-            <a:pPr marL="432000" indent="-323280">
+            <a:pPr marL="432000" indent="-322920">
               <a:lnSpc>
                 <a:spcPct val="100000"/>
               </a:lnSpc>
@@ -15034,7 +15491,7 @@
             </a:endParaRPr>
           </a:p>
           <a:p>
-            <a:pPr lvl="1" marL="864000" indent="-323280">
+            <a:pPr lvl="1" marL="864000" indent="-322920">
               <a:lnSpc>
                 <a:spcPct val="100000"/>
               </a:lnSpc>
@@ -15063,7 +15520,7 @@
             </a:endParaRPr>
           </a:p>
           <a:p>
-            <a:pPr lvl="1" marL="864000" indent="-323280">
+            <a:pPr lvl="1" marL="864000" indent="-322920">
               <a:lnSpc>
                 <a:spcPct val="100000"/>
               </a:lnSpc>
@@ -15092,7 +15549,7 @@
             </a:endParaRPr>
           </a:p>
           <a:p>
-            <a:pPr lvl="1" marL="864000" indent="-323280">
+            <a:pPr lvl="1" marL="864000" indent="-322920">
               <a:lnSpc>
                 <a:spcPct val="100000"/>
               </a:lnSpc>
@@ -15135,7 +15592,7 @@
         <p:spPr>
           <a:xfrm>
             <a:off x="5256000" y="2456640"/>
-            <a:ext cx="4466160" cy="1646640"/>
+            <a:ext cx="4465800" cy="1646280"/>
           </a:xfrm>
           <a:prstGeom prst="rect">
             <a:avLst/>
@@ -15158,7 +15615,7 @@
         <p:spPr>
           <a:xfrm>
             <a:off x="8280000" y="1418400"/>
-            <a:ext cx="1646640" cy="884880"/>
+            <a:ext cx="1646280" cy="884520"/>
           </a:xfrm>
           <a:prstGeom prst="rect">
             <a:avLst/>
@@ -15211,7 +15668,7 @@
         <p:spPr>
           <a:xfrm>
             <a:off x="4392000" y="1854720"/>
-            <a:ext cx="5544360" cy="1960560"/>
+            <a:ext cx="5544000" cy="1960200"/>
           </a:xfrm>
           <a:prstGeom prst="rect">
             <a:avLst/>
@@ -15230,7 +15687,7 @@
         <p:spPr>
           <a:xfrm>
             <a:off x="1620000" y="216000"/>
-            <a:ext cx="8099280" cy="935280"/>
+            <a:ext cx="8098920" cy="934920"/>
           </a:xfrm>
           <a:prstGeom prst="rect">
             <a:avLst/>
@@ -15281,7 +15738,7 @@
         <p:spPr>
           <a:xfrm>
             <a:off x="1116000" y="1247760"/>
-            <a:ext cx="8099280" cy="3287520"/>
+            <a:ext cx="8098920" cy="3287160"/>
           </a:xfrm>
           <a:prstGeom prst="rect">
             <a:avLst/>
@@ -15302,7 +15759,7 @@
             <a:normAutofit/>
           </a:bodyPr>
           <a:p>
-            <a:pPr marL="432000" indent="-323280">
+            <a:pPr marL="432000" indent="-322920">
               <a:lnSpc>
                 <a:spcPct val="100000"/>
               </a:lnSpc>
@@ -15344,7 +15801,7 @@
             </a:endParaRPr>
           </a:p>
           <a:p>
-            <a:pPr marL="432000" indent="-323280">
+            <a:pPr marL="432000" indent="-322920">
               <a:lnSpc>
                 <a:spcPct val="100000"/>
               </a:lnSpc>
@@ -15373,7 +15830,7 @@
             </a:endParaRPr>
           </a:p>
           <a:p>
-            <a:pPr lvl="1" marL="864000" indent="-323280">
+            <a:pPr lvl="1" marL="864000" indent="-322920">
               <a:lnSpc>
                 <a:spcPct val="100000"/>
               </a:lnSpc>
@@ -15402,7 +15859,7 @@
             </a:endParaRPr>
           </a:p>
           <a:p>
-            <a:pPr lvl="1" marL="864000" indent="-323280">
+            <a:pPr lvl="1" marL="864000" indent="-322920">
               <a:lnSpc>
                 <a:spcPct val="100000"/>
               </a:lnSpc>
@@ -15431,7 +15888,7 @@
             </a:endParaRPr>
           </a:p>
           <a:p>
-            <a:pPr lvl="1" marL="864000" indent="-323280">
+            <a:pPr lvl="1" marL="864000" indent="-322920">
               <a:lnSpc>
                 <a:spcPct val="100000"/>
               </a:lnSpc>
@@ -15470,7 +15927,7 @@
         <p:spPr>
           <a:xfrm>
             <a:off x="3888000" y="4015080"/>
-            <a:ext cx="5759280" cy="1168200"/>
+            <a:ext cx="5758920" cy="1167840"/>
           </a:xfrm>
           <a:prstGeom prst="rect">
             <a:avLst/>
@@ -15631,7 +16088,7 @@
         <p:spPr>
           <a:xfrm>
             <a:off x="1620000" y="216000"/>
-            <a:ext cx="8099280" cy="935280"/>
+            <a:ext cx="8098920" cy="934920"/>
           </a:xfrm>
           <a:prstGeom prst="rect">
             <a:avLst/>
@@ -15682,7 +16139,7 @@
         <p:spPr>
           <a:xfrm>
             <a:off x="1440000" y="1944000"/>
-            <a:ext cx="8099280" cy="3287520"/>
+            <a:ext cx="8098920" cy="3287160"/>
           </a:xfrm>
           <a:prstGeom prst="rect">
             <a:avLst/>
@@ -15703,7 +16160,7 @@
             <a:normAutofit/>
           </a:bodyPr>
           <a:p>
-            <a:pPr marL="432000" indent="-323280">
+            <a:pPr marL="432000" indent="-322920">
               <a:lnSpc>
                 <a:spcPct val="100000"/>
               </a:lnSpc>
@@ -15732,7 +16189,7 @@
             </a:endParaRPr>
           </a:p>
           <a:p>
-            <a:pPr marL="432000" indent="-323280">
+            <a:pPr marL="432000" indent="-322920">
               <a:lnSpc>
                 <a:spcPct val="100000"/>
               </a:lnSpc>
@@ -15761,7 +16218,7 @@
             </a:endParaRPr>
           </a:p>
           <a:p>
-            <a:pPr marL="432000" indent="-323280">
+            <a:pPr marL="432000" indent="-322920">
               <a:lnSpc>
                 <a:spcPct val="100000"/>
               </a:lnSpc>
@@ -15790,7 +16247,7 @@
             </a:endParaRPr>
           </a:p>
           <a:p>
-            <a:pPr lvl="1" marL="864000" indent="-323280">
+            <a:pPr lvl="1" marL="864000" indent="-322920">
               <a:lnSpc>
                 <a:spcPct val="100000"/>
               </a:lnSpc>
@@ -15819,7 +16276,7 @@
             </a:endParaRPr>
           </a:p>
           <a:p>
-            <a:pPr lvl="1" marL="864000" indent="-323280">
+            <a:pPr lvl="1" marL="864000" indent="-322920">
               <a:lnSpc>
                 <a:spcPct val="100000"/>
               </a:lnSpc>
@@ -15848,7 +16305,7 @@
             </a:endParaRPr>
           </a:p>
           <a:p>
-            <a:pPr lvl="1" marL="864000" indent="-323280">
+            <a:pPr lvl="1" marL="864000" indent="-322920">
               <a:lnSpc>
                 <a:spcPct val="100000"/>
               </a:lnSpc>
@@ -15887,7 +16344,7 @@
         <p:spPr>
           <a:xfrm>
             <a:off x="6192000" y="1440000"/>
-            <a:ext cx="2440080" cy="315360"/>
+            <a:ext cx="2439720" cy="315000"/>
           </a:xfrm>
           <a:prstGeom prst="rect">
             <a:avLst/>
@@ -15938,7 +16395,7 @@
         <p:spPr>
           <a:xfrm>
             <a:off x="4824000" y="1837800"/>
-            <a:ext cx="4607280" cy="681480"/>
+            <a:ext cx="4606920" cy="681120"/>
           </a:xfrm>
           <a:prstGeom prst="rect">
             <a:avLst/>
@@ -16029,7 +16486,7 @@
         <p:spPr>
           <a:xfrm>
             <a:off x="5131800" y="3781800"/>
-            <a:ext cx="4227480" cy="1113480"/>
+            <a:ext cx="4227120" cy="1113120"/>
           </a:xfrm>
           <a:prstGeom prst="rect">
             <a:avLst/>
@@ -16120,7 +16577,7 @@
         <p:spPr>
           <a:xfrm rot="3724200">
             <a:off x="6213600" y="1949760"/>
-            <a:ext cx="2115720" cy="2136960"/>
+            <a:ext cx="2115360" cy="2136600"/>
           </a:xfrm>
           <a:prstGeom prst="swooshArrow">
             <a:avLst>

--- a/CovidTextClassifier.pptx
+++ b/CovidTextClassifier.pptx
@@ -2774,7 +2774,7 @@
         <p:spPr>
           <a:xfrm>
             <a:off x="0" y="0"/>
-            <a:ext cx="10084680" cy="5668920"/>
+            <a:ext cx="10083960" cy="5668200"/>
           </a:xfrm>
           <a:prstGeom prst="rect">
             <a:avLst/>
@@ -3050,7 +3050,7 @@
         <p:spPr>
           <a:xfrm>
             <a:off x="0" y="0"/>
-            <a:ext cx="10084680" cy="5668920"/>
+            <a:ext cx="10083960" cy="5668200"/>
           </a:xfrm>
           <a:prstGeom prst="rect">
             <a:avLst/>
@@ -3322,7 +3322,7 @@
         <p:spPr>
           <a:xfrm>
             <a:off x="1620000" y="216000"/>
-            <a:ext cx="8098920" cy="934920"/>
+            <a:ext cx="8098200" cy="934200"/>
           </a:xfrm>
           <a:prstGeom prst="rect">
             <a:avLst/>
@@ -3373,7 +3373,7 @@
         <p:spPr>
           <a:xfrm>
             <a:off x="1620000" y="1679760"/>
-            <a:ext cx="8098920" cy="3287160"/>
+            <a:ext cx="8098200" cy="3286440"/>
           </a:xfrm>
           <a:prstGeom prst="rect">
             <a:avLst/>
@@ -3403,7 +3403,7 @@
         <p:spPr>
           <a:xfrm>
             <a:off x="4392000" y="1234080"/>
-            <a:ext cx="2289240" cy="4018320"/>
+            <a:ext cx="2288520" cy="4017600"/>
           </a:xfrm>
           <a:prstGeom prst="rect">
             <a:avLst/>
@@ -3452,7 +3452,7 @@
         <p:spPr>
           <a:xfrm>
             <a:off x="1620000" y="216000"/>
-            <a:ext cx="8098920" cy="934920"/>
+            <a:ext cx="8098200" cy="934200"/>
           </a:xfrm>
           <a:prstGeom prst="rect">
             <a:avLst/>
@@ -3503,7 +3503,7 @@
         <p:spPr>
           <a:xfrm>
             <a:off x="1440000" y="1944000"/>
-            <a:ext cx="8098920" cy="3287160"/>
+            <a:ext cx="8098200" cy="3286440"/>
           </a:xfrm>
           <a:prstGeom prst="rect">
             <a:avLst/>
@@ -3524,7 +3524,7 @@
             <a:normAutofit/>
           </a:bodyPr>
           <a:p>
-            <a:pPr marL="432000" indent="-322920">
+            <a:pPr marL="432000" indent="-322200">
               <a:lnSpc>
                 <a:spcPct val="100000"/>
               </a:lnSpc>
@@ -3553,7 +3553,7 @@
             </a:endParaRPr>
           </a:p>
           <a:p>
-            <a:pPr marL="432000" indent="-322920">
+            <a:pPr marL="432000" indent="-322200">
               <a:lnSpc>
                 <a:spcPct val="100000"/>
               </a:lnSpc>
@@ -3582,7 +3582,7 @@
             </a:endParaRPr>
           </a:p>
           <a:p>
-            <a:pPr marL="432000" indent="-322920">
+            <a:pPr marL="432000" indent="-322200">
               <a:lnSpc>
                 <a:spcPct val="100000"/>
               </a:lnSpc>
@@ -3611,7 +3611,7 @@
             </a:endParaRPr>
           </a:p>
           <a:p>
-            <a:pPr lvl="1" marL="864000" indent="-322920">
+            <a:pPr lvl="1" marL="864000" indent="-322200">
               <a:lnSpc>
                 <a:spcPct val="100000"/>
               </a:lnSpc>
@@ -3640,7 +3640,7 @@
             </a:endParaRPr>
           </a:p>
           <a:p>
-            <a:pPr lvl="1" marL="864000" indent="-322920">
+            <a:pPr lvl="1" marL="864000" indent="-322200">
               <a:lnSpc>
                 <a:spcPct val="100000"/>
               </a:lnSpc>
@@ -3669,7 +3669,7 @@
             </a:endParaRPr>
           </a:p>
           <a:p>
-            <a:pPr lvl="1" marL="864000" indent="-322920">
+            <a:pPr lvl="1" marL="864000" indent="-322200">
               <a:lnSpc>
                 <a:spcPct val="100000"/>
               </a:lnSpc>
@@ -3708,7 +3708,7 @@
         <p:spPr>
           <a:xfrm>
             <a:off x="6192000" y="1440000"/>
-            <a:ext cx="967680" cy="315000"/>
+            <a:ext cx="1224000" cy="314280"/>
           </a:xfrm>
           <a:prstGeom prst="rect">
             <a:avLst/>
@@ -3759,7 +3759,7 @@
         <p:spPr>
           <a:xfrm>
             <a:off x="5544000" y="1981800"/>
-            <a:ext cx="2518920" cy="681120"/>
+            <a:ext cx="2518200" cy="680400"/>
           </a:xfrm>
           <a:prstGeom prst="rect">
             <a:avLst/>
@@ -3830,7 +3830,7 @@
         <p:spPr>
           <a:xfrm>
             <a:off x="5904000" y="3744000"/>
-            <a:ext cx="2571120" cy="430920"/>
+            <a:ext cx="2570400" cy="430200"/>
           </a:xfrm>
           <a:prstGeom prst="rect">
             <a:avLst/>
@@ -3900,8 +3900,8 @@
         </p:nvSpPr>
         <p:spPr>
           <a:xfrm rot="3724200">
-            <a:off x="5865120" y="2430360"/>
-            <a:ext cx="1930680" cy="1114560"/>
+            <a:off x="5865120" y="2430000"/>
+            <a:ext cx="1929960" cy="1113840"/>
           </a:xfrm>
           <a:prstGeom prst="swooshArrow">
             <a:avLst>
@@ -3966,7 +3966,7 @@
         <p:spPr>
           <a:xfrm>
             <a:off x="3060000" y="1368000"/>
-            <a:ext cx="5938920" cy="4228560"/>
+            <a:ext cx="5938200" cy="4227840"/>
           </a:xfrm>
           <a:prstGeom prst="rect">
             <a:avLst/>
@@ -3985,7 +3985,7 @@
         <p:spPr>
           <a:xfrm>
             <a:off x="1620000" y="216000"/>
-            <a:ext cx="8098920" cy="934920"/>
+            <a:ext cx="8098200" cy="934200"/>
           </a:xfrm>
           <a:prstGeom prst="rect">
             <a:avLst/>
@@ -4036,7 +4036,7 @@
         <p:spPr>
           <a:xfrm>
             <a:off x="1584000" y="1103760"/>
-            <a:ext cx="8098920" cy="3287160"/>
+            <a:ext cx="8098200" cy="3286440"/>
           </a:xfrm>
           <a:prstGeom prst="rect">
             <a:avLst/>
@@ -4057,7 +4057,7 @@
             <a:normAutofit/>
           </a:bodyPr>
           <a:p>
-            <a:pPr marL="432000" indent="-322920">
+            <a:pPr marL="432000" indent="-322200">
               <a:lnSpc>
                 <a:spcPct val="100000"/>
               </a:lnSpc>
@@ -4126,7 +4126,7 @@
         <p:spPr>
           <a:xfrm>
             <a:off x="1620000" y="216000"/>
-            <a:ext cx="8098920" cy="934920"/>
+            <a:ext cx="8098200" cy="934200"/>
           </a:xfrm>
           <a:prstGeom prst="rect">
             <a:avLst/>
@@ -4177,7 +4177,7 @@
         <p:spPr>
           <a:xfrm>
             <a:off x="1620000" y="1368000"/>
-            <a:ext cx="8098920" cy="3287160"/>
+            <a:ext cx="8098200" cy="3286440"/>
           </a:xfrm>
           <a:prstGeom prst="rect">
             <a:avLst/>
@@ -4207,7 +4207,7 @@
         <p:spPr>
           <a:xfrm>
             <a:off x="792000" y="1152000"/>
-            <a:ext cx="9286920" cy="4532400"/>
+            <a:ext cx="9286200" cy="4531680"/>
           </a:xfrm>
           <a:prstGeom prst="rect">
             <a:avLst/>
@@ -4226,7 +4226,7 @@
         <p:spPr>
           <a:xfrm>
             <a:off x="1224000" y="3312000"/>
-            <a:ext cx="1870920" cy="345600"/>
+            <a:ext cx="1870200" cy="344880"/>
           </a:xfrm>
           <a:prstGeom prst="rect">
             <a:avLst/>
@@ -4307,7 +4307,7 @@
         <p:spPr>
           <a:xfrm>
             <a:off x="1620000" y="216000"/>
-            <a:ext cx="8098920" cy="934920"/>
+            <a:ext cx="8098200" cy="934200"/>
           </a:xfrm>
           <a:prstGeom prst="rect">
             <a:avLst/>
@@ -4358,7 +4358,7 @@
         <p:spPr>
           <a:xfrm>
             <a:off x="1620000" y="1368000"/>
-            <a:ext cx="8098920" cy="3287160"/>
+            <a:ext cx="8098200" cy="3286440"/>
           </a:xfrm>
           <a:prstGeom prst="rect">
             <a:avLst/>
@@ -4388,7 +4388,7 @@
         <p:spPr>
           <a:xfrm>
             <a:off x="1512000" y="1170360"/>
-            <a:ext cx="8523720" cy="4498560"/>
+            <a:ext cx="8523000" cy="4497840"/>
           </a:xfrm>
           <a:prstGeom prst="rect">
             <a:avLst/>
@@ -4437,7 +4437,7 @@
         <p:spPr>
           <a:xfrm>
             <a:off x="1620000" y="216000"/>
-            <a:ext cx="8098920" cy="934920"/>
+            <a:ext cx="8098200" cy="934200"/>
           </a:xfrm>
           <a:prstGeom prst="rect">
             <a:avLst/>
@@ -4488,7 +4488,7 @@
         <p:spPr>
           <a:xfrm>
             <a:off x="1620000" y="1368000"/>
-            <a:ext cx="8098920" cy="3287160"/>
+            <a:ext cx="8098200" cy="3286440"/>
           </a:xfrm>
           <a:prstGeom prst="rect">
             <a:avLst/>
@@ -4507,14 +4507,14 @@
       </p:sp>
       <p:sp>
         <p:nvSpPr>
-          <p:cNvPr id="127" name="TextShape 3"/>
-          <p:cNvSpPr txBox="1"/>
+          <p:cNvPr id="127" name="CustomShape 3"/>
+          <p:cNvSpPr/>
           <p:nvPr/>
         </p:nvSpPr>
         <p:spPr>
           <a:xfrm>
             <a:off x="1728000" y="1260000"/>
-            <a:ext cx="7920000" cy="374040"/>
+            <a:ext cx="7919280" cy="373320"/>
           </a:xfrm>
           <a:prstGeom prst="rect">
             <a:avLst/>
@@ -4524,126 +4524,33 @@
             <a:noFill/>
           </a:ln>
         </p:spPr>
+        <p:style>
+          <a:lnRef idx="0"/>
+          <a:fillRef idx="0"/>
+          <a:effectRef idx="0"/>
+          <a:fontRef idx="minor"/>
+        </p:style>
         <p:txBody>
           <a:bodyPr lIns="90000" rIns="90000" tIns="45000" bIns="45000">
             <a:noAutofit/>
           </a:bodyPr>
           <a:p>
+            <a:pPr>
+              <a:lnSpc>
+                <a:spcPct val="100000"/>
+              </a:lnSpc>
+            </a:pPr>
             <a:r>
               <a:rPr b="1" lang="en-AU" sz="1000" spc="-1" strike="noStrike">
+                <a:solidFill>
+                  <a:srgbClr val="000000"/>
+                </a:solidFill>
                 <a:latin typeface="Arial"/>
+                <a:ea typeface="DejaVu Sans"/>
               </a:rPr>
-              <a:t>Another </a:t>
+              <a:t>Another solution to combat the imbalanced data is to train separated models. We can divide the categories against the number of their sampling data. For example, we could have groups like:</a:t>
             </a:r>
-            <a:r>
-              <a:rPr b="1" lang="en-AU" sz="1000" spc="-1" strike="noStrike">
-                <a:latin typeface="Arial"/>
-              </a:rPr>
-              <a:t>solution to </a:t>
-            </a:r>
-            <a:r>
-              <a:rPr b="1" lang="en-AU" sz="1000" spc="-1" strike="noStrike">
-                <a:latin typeface="Arial"/>
-              </a:rPr>
-              <a:t>combat the </a:t>
-            </a:r>
-            <a:r>
-              <a:rPr b="1" lang="en-AU" sz="1000" spc="-1" strike="noStrike">
-                <a:latin typeface="Arial"/>
-              </a:rPr>
-              <a:t>imbalanced </a:t>
-            </a:r>
-            <a:r>
-              <a:rPr b="1" lang="en-AU" sz="1000" spc="-1" strike="noStrike">
-                <a:latin typeface="Arial"/>
-              </a:rPr>
-              <a:t>data is to </a:t>
-            </a:r>
-            <a:r>
-              <a:rPr b="1" lang="en-AU" sz="1000" spc="-1" strike="noStrike">
-                <a:latin typeface="Arial"/>
-              </a:rPr>
-              <a:t>train </a:t>
-            </a:r>
-            <a:r>
-              <a:rPr b="1" lang="en-AU" sz="1000" spc="-1" strike="noStrike">
-                <a:latin typeface="Arial"/>
-              </a:rPr>
-              <a:t>separated </a:t>
-            </a:r>
-            <a:r>
-              <a:rPr b="1" lang="en-AU" sz="1000" spc="-1" strike="noStrike">
-                <a:latin typeface="Arial"/>
-              </a:rPr>
-              <a:t>models. We </a:t>
-            </a:r>
-            <a:r>
-              <a:rPr b="1" lang="en-AU" sz="1000" spc="-1" strike="noStrike">
-                <a:latin typeface="Arial"/>
-              </a:rPr>
-              <a:t>can divide </a:t>
-            </a:r>
-            <a:r>
-              <a:rPr b="1" lang="en-AU" sz="1000" spc="-1" strike="noStrike">
-                <a:latin typeface="Arial"/>
-              </a:rPr>
-              <a:t>the </a:t>
-            </a:r>
-            <a:r>
-              <a:rPr b="1" lang="en-AU" sz="1000" spc="-1" strike="noStrike">
-                <a:latin typeface="Arial"/>
-              </a:rPr>
-              <a:t>categories </a:t>
-            </a:r>
-            <a:r>
-              <a:rPr b="1" lang="en-AU" sz="1000" spc="-1" strike="noStrike">
-                <a:latin typeface="Arial"/>
-              </a:rPr>
-              <a:t>against the </a:t>
-            </a:r>
-            <a:r>
-              <a:rPr b="1" lang="en-AU" sz="1000" spc="-1" strike="noStrike">
-                <a:latin typeface="Arial"/>
-              </a:rPr>
-              <a:t>number of </a:t>
-            </a:r>
-            <a:r>
-              <a:rPr b="1" lang="en-AU" sz="1000" spc="-1" strike="noStrike">
-                <a:latin typeface="Arial"/>
-              </a:rPr>
-              <a:t>their </a:t>
-            </a:r>
-            <a:r>
-              <a:rPr b="1" lang="en-AU" sz="1000" spc="-1" strike="noStrike">
-                <a:latin typeface="Arial"/>
-              </a:rPr>
-              <a:t>sampling </a:t>
-            </a:r>
-            <a:r>
-              <a:rPr b="1" lang="en-AU" sz="1000" spc="-1" strike="noStrike">
-                <a:latin typeface="Arial"/>
-              </a:rPr>
-              <a:t>data. For </a:t>
-            </a:r>
-            <a:r>
-              <a:rPr b="1" lang="en-AU" sz="1000" spc="-1" strike="noStrike">
-                <a:latin typeface="Arial"/>
-              </a:rPr>
-              <a:t>example, we </a:t>
-            </a:r>
-            <a:r>
-              <a:rPr b="1" lang="en-AU" sz="1000" spc="-1" strike="noStrike">
-                <a:latin typeface="Arial"/>
-              </a:rPr>
-              <a:t>could have </a:t>
-            </a:r>
-            <a:r>
-              <a:rPr b="1" lang="en-AU" sz="1000" spc="-1" strike="noStrike">
-                <a:latin typeface="Arial"/>
-              </a:rPr>
-              <a:t>groups like:</a:t>
-            </a:r>
-            <a:endParaRPr b="1" lang="en-AU" sz="1000" spc="-1" strike="noStrike">
+            <a:endParaRPr b="0" lang="en-AU" sz="1000" spc="-1" strike="noStrike">
               <a:latin typeface="Arial"/>
             </a:endParaRPr>
           </a:p>
@@ -4651,14 +4558,14 @@
       </p:sp>
       <p:sp>
         <p:nvSpPr>
-          <p:cNvPr id="128" name="TextShape 4"/>
-          <p:cNvSpPr txBox="1"/>
+          <p:cNvPr id="128" name="CustomShape 4"/>
+          <p:cNvSpPr/>
           <p:nvPr/>
         </p:nvSpPr>
         <p:spPr>
           <a:xfrm>
             <a:off x="1798920" y="3888000"/>
-            <a:ext cx="7920000" cy="793080"/>
+            <a:ext cx="7919280" cy="792360"/>
           </a:xfrm>
           <a:prstGeom prst="rect">
             <a:avLst/>
@@ -4668,14 +4575,29 @@
             <a:noFill/>
           </a:ln>
         </p:spPr>
+        <p:style>
+          <a:lnRef idx="0"/>
+          <a:fillRef idx="0"/>
+          <a:effectRef idx="0"/>
+          <a:fontRef idx="minor"/>
+        </p:style>
         <p:txBody>
           <a:bodyPr lIns="90000" rIns="90000" tIns="45000" bIns="45000">
             <a:noAutofit/>
           </a:bodyPr>
           <a:p>
+            <a:pPr>
+              <a:lnSpc>
+                <a:spcPct val="100000"/>
+              </a:lnSpc>
+            </a:pPr>
             <a:r>
               <a:rPr b="0" lang="en-AU" sz="1000" spc="-1" strike="noStrike">
+                <a:solidFill>
+                  <a:srgbClr val="000000"/>
+                </a:solidFill>
                 <a:latin typeface="Arial"/>
+                <a:ea typeface="DejaVu Sans"/>
               </a:rPr>
               <a:t>(You can adjust the granularity accordingly, the models above are just for the explanation.)</a:t>
             </a:r>
@@ -4684,11 +4606,20 @@
             </a:endParaRPr>
           </a:p>
           <a:p>
+            <a:pPr>
+              <a:lnSpc>
+                <a:spcPct val="100000"/>
+              </a:lnSpc>
+            </a:pPr>
             <a:r>
               <a:rPr b="0" lang="en-AU" sz="1000" spc="-1" strike="noStrike">
+                <a:solidFill>
+                  <a:srgbClr val="000000"/>
+                </a:solidFill>
                 <a:latin typeface="Arial"/>
+                <a:ea typeface="DejaVu Sans"/>
               </a:rPr>
-              <a:t>When classifying a question, we iterate through all models to generate pairs of prediction with probability and pick up the prediction with the highest probability.Due to the time limited, I did not implement this, but this solution can further boost the models' performance</a:t>
+              <a:t>When classifying a question, we iterate through all models to generate pairs of prediction with probability and pick up the prediction with the highest probability. </a:t>
             </a:r>
             <a:endParaRPr b="0" lang="en-AU" sz="1000" spc="-1" strike="noStrike">
               <a:latin typeface="Arial"/>
@@ -4698,14 +4629,14 @@
       </p:sp>
       <p:sp>
         <p:nvSpPr>
-          <p:cNvPr id="129" name="TextShape 5"/>
-          <p:cNvSpPr txBox="1"/>
+          <p:cNvPr id="129" name="CustomShape 5"/>
+          <p:cNvSpPr/>
           <p:nvPr/>
         </p:nvSpPr>
         <p:spPr>
           <a:xfrm>
             <a:off x="1757520" y="1812600"/>
-            <a:ext cx="7920000" cy="2327400"/>
+            <a:ext cx="7919280" cy="2326680"/>
           </a:xfrm>
           <a:prstGeom prst="rect">
             <a:avLst/>
@@ -4715,14 +4646,29 @@
             <a:noFill/>
           </a:ln>
         </p:spPr>
+        <p:style>
+          <a:lnRef idx="0"/>
+          <a:fillRef idx="0"/>
+          <a:effectRef idx="0"/>
+          <a:fontRef idx="minor"/>
+        </p:style>
         <p:txBody>
           <a:bodyPr lIns="90000" rIns="90000" tIns="45000" bIns="45000">
             <a:noAutofit/>
           </a:bodyPr>
           <a:p>
+            <a:pPr>
+              <a:lnSpc>
+                <a:spcPct val="100000"/>
+              </a:lnSpc>
+            </a:pPr>
             <a:r>
-              <a:rPr b="0" lang="en-AU" sz="1000" spc="-1" strike="noStrike">
+              <a:rPr b="1" lang="en-AU" sz="1000" spc="-1" strike="noStrike">
+                <a:solidFill>
+                  <a:srgbClr val="000000"/>
+                </a:solidFill>
                 <a:latin typeface="Arial"/>
+                <a:ea typeface="DejaVu Sans"/>
               </a:rPr>
               <a:t>1. Model 30, for all categories which have number of sampling data less than 30</a:t>
             </a:r>
@@ -4731,9 +4677,18 @@
             </a:endParaRPr>
           </a:p>
           <a:p>
+            <a:pPr>
+              <a:lnSpc>
+                <a:spcPct val="100000"/>
+              </a:lnSpc>
+            </a:pPr>
             <a:r>
-              <a:rPr b="0" lang="en-AU" sz="1000" spc="-1" strike="noStrike">
+              <a:rPr b="1" lang="en-AU" sz="1000" spc="-1" strike="noStrike">
+                <a:solidFill>
+                  <a:srgbClr val="000000"/>
+                </a:solidFill>
                 <a:latin typeface="Arial"/>
+                <a:ea typeface="DejaVu Sans"/>
               </a:rPr>
               <a:t>2. Model 90, for all categories which have number of sampling data less than 90 but greater than 30</a:t>
             </a:r>
@@ -4742,9 +4697,18 @@
             </a:endParaRPr>
           </a:p>
           <a:p>
+            <a:pPr>
+              <a:lnSpc>
+                <a:spcPct val="100000"/>
+              </a:lnSpc>
+            </a:pPr>
             <a:r>
-              <a:rPr b="0" lang="en-AU" sz="1000" spc="-1" strike="noStrike">
+              <a:rPr b="1" lang="en-AU" sz="1000" spc="-1" strike="noStrike">
+                <a:solidFill>
+                  <a:srgbClr val="000000"/>
+                </a:solidFill>
                 <a:latin typeface="Arial"/>
+                <a:ea typeface="DejaVu Sans"/>
               </a:rPr>
               <a:t>3. Model 130, for all categories which have number of sampling data less than 130 but greater than 90</a:t>
             </a:r>
@@ -4753,9 +4717,18 @@
             </a:endParaRPr>
           </a:p>
           <a:p>
+            <a:pPr>
+              <a:lnSpc>
+                <a:spcPct val="100000"/>
+              </a:lnSpc>
+            </a:pPr>
             <a:r>
-              <a:rPr b="0" lang="en-AU" sz="1000" spc="-1" strike="noStrike">
+              <a:rPr b="1" lang="en-AU" sz="1000" spc="-1" strike="noStrike">
+                <a:solidFill>
+                  <a:srgbClr val="000000"/>
+                </a:solidFill>
                 <a:latin typeface="Arial"/>
+                <a:ea typeface="DejaVu Sans"/>
               </a:rPr>
               <a:t>4. Model 170, for all categories which have number of sampling data less than 130 but greater than 170</a:t>
             </a:r>
@@ -4764,9 +4737,18 @@
             </a:endParaRPr>
           </a:p>
           <a:p>
+            <a:pPr>
+              <a:lnSpc>
+                <a:spcPct val="100000"/>
+              </a:lnSpc>
+            </a:pPr>
             <a:r>
-              <a:rPr b="0" lang="en-AU" sz="1000" spc="-1" strike="noStrike">
+              <a:rPr b="1" lang="en-AU" sz="1000" spc="-1" strike="noStrike">
+                <a:solidFill>
+                  <a:srgbClr val="000000"/>
+                </a:solidFill>
                 <a:latin typeface="Arial"/>
+                <a:ea typeface="DejaVu Sans"/>
               </a:rPr>
               <a:t>5. Model High, for all the rest of categories</a:t>
             </a:r>
@@ -4775,6 +4757,11 @@
             </a:endParaRPr>
           </a:p>
           <a:p>
+            <a:pPr>
+              <a:lnSpc>
+                <a:spcPct val="100000"/>
+              </a:lnSpc>
+            </a:pPr>
             <a:endParaRPr b="0" lang="en-AU" sz="1000" spc="-1" strike="noStrike">
               <a:latin typeface="Arial"/>
             </a:endParaRPr>
@@ -4820,7 +4807,7 @@
         <p:spPr>
           <a:xfrm>
             <a:off x="1620000" y="216000"/>
-            <a:ext cx="8098920" cy="934920"/>
+            <a:ext cx="8098200" cy="934200"/>
           </a:xfrm>
           <a:prstGeom prst="rect">
             <a:avLst/>
@@ -4871,7 +4858,7 @@
         <p:spPr>
           <a:xfrm>
             <a:off x="1620000" y="1368000"/>
-            <a:ext cx="8098920" cy="3287160"/>
+            <a:ext cx="8098200" cy="3286440"/>
           </a:xfrm>
           <a:prstGeom prst="rect">
             <a:avLst/>
@@ -4892,7 +4879,7 @@
             <a:normAutofit/>
           </a:bodyPr>
           <a:p>
-            <a:pPr marL="432000" indent="-322920">
+            <a:pPr marL="432000" indent="-322200">
               <a:lnSpc>
                 <a:spcPct val="100000"/>
               </a:lnSpc>
@@ -4921,7 +4908,7 @@
             </a:endParaRPr>
           </a:p>
           <a:p>
-            <a:pPr marL="432000" indent="-322920">
+            <a:pPr marL="432000" indent="-322200">
               <a:lnSpc>
                 <a:spcPct val="100000"/>
               </a:lnSpc>
@@ -4950,7 +4937,7 @@
             </a:endParaRPr>
           </a:p>
           <a:p>
-            <a:pPr marL="432000" indent="-322920">
+            <a:pPr marL="432000" indent="-322200">
               <a:lnSpc>
                 <a:spcPct val="100000"/>
               </a:lnSpc>
@@ -4989,7 +4976,7 @@
         <p:spPr>
           <a:xfrm>
             <a:off x="4752000" y="4560480"/>
-            <a:ext cx="3454920" cy="766440"/>
+            <a:ext cx="3454200" cy="765720"/>
           </a:xfrm>
           <a:prstGeom prst="rect">
             <a:avLst/>
@@ -5023,7 +5010,7 @@
                 <a:latin typeface="Arial"/>
                 <a:ea typeface="DejaVu Sans"/>
               </a:rPr>
-              <a:t>We use all questions even without categories to improve accuracy</a:t>
+              <a:t>I use all questions even without categories to improve accuracy</a:t>
             </a:r>
             <a:endParaRPr b="0" lang="en-AU" sz="1600" spc="-1" strike="noStrike">
               <a:latin typeface="Arial"/>
@@ -5040,7 +5027,7 @@
         <p:spPr>
           <a:xfrm>
             <a:off x="2232000" y="4272480"/>
-            <a:ext cx="4174920" cy="766440"/>
+            <a:ext cx="4174200" cy="765720"/>
           </a:xfrm>
           <a:prstGeom prst="rect">
             <a:avLst/>
@@ -5095,7 +5082,7 @@
         <p:spPr>
           <a:xfrm>
             <a:off x="2584080" y="2592000"/>
-            <a:ext cx="5550840" cy="1282680"/>
+            <a:ext cx="5550120" cy="1281960"/>
           </a:xfrm>
           <a:prstGeom prst="rect">
             <a:avLst/>
@@ -5154,7 +5141,7 @@
         <p:spPr>
           <a:xfrm>
             <a:off x="164880" y="2162520"/>
-            <a:ext cx="2930040" cy="3099960"/>
+            <a:ext cx="2929320" cy="3099240"/>
           </a:xfrm>
           <a:prstGeom prst="rect">
             <a:avLst/>
@@ -5173,7 +5160,7 @@
         <p:spPr>
           <a:xfrm>
             <a:off x="1620000" y="216000"/>
-            <a:ext cx="8098920" cy="934920"/>
+            <a:ext cx="8098200" cy="934200"/>
           </a:xfrm>
           <a:prstGeom prst="rect">
             <a:avLst/>
@@ -5224,7 +5211,7 @@
         <p:spPr>
           <a:xfrm>
             <a:off x="1116000" y="1031760"/>
-            <a:ext cx="8962920" cy="3287160"/>
+            <a:ext cx="8962200" cy="3286440"/>
           </a:xfrm>
           <a:prstGeom prst="rect">
             <a:avLst/>
@@ -5245,7 +5232,7 @@
             <a:normAutofit/>
           </a:bodyPr>
           <a:p>
-            <a:pPr marL="432000" indent="-322920">
+            <a:pPr marL="432000" indent="-322200">
               <a:lnSpc>
                 <a:spcPct val="100000"/>
               </a:lnSpc>
@@ -5274,7 +5261,7 @@
             </a:endParaRPr>
           </a:p>
           <a:p>
-            <a:pPr lvl="1" marL="864000" indent="-322920">
+            <a:pPr lvl="1" marL="864000" indent="-322200">
               <a:lnSpc>
                 <a:spcPct val="100000"/>
               </a:lnSpc>
@@ -5303,7 +5290,7 @@
             </a:endParaRPr>
           </a:p>
           <a:p>
-            <a:pPr lvl="1" marL="864000" indent="-322920">
+            <a:pPr lvl="1" marL="864000" indent="-322200">
               <a:lnSpc>
                 <a:spcPct val="100000"/>
               </a:lnSpc>
@@ -5359,7 +5346,7 @@
         <p:spPr>
           <a:xfrm>
             <a:off x="3344400" y="2160000"/>
-            <a:ext cx="2990520" cy="3031920"/>
+            <a:ext cx="2989800" cy="3031200"/>
           </a:xfrm>
           <a:prstGeom prst="rect">
             <a:avLst/>
@@ -5382,7 +5369,7 @@
         <p:spPr>
           <a:xfrm>
             <a:off x="6552000" y="2088000"/>
-            <a:ext cx="3139560" cy="3139560"/>
+            <a:ext cx="3138840" cy="3138840"/>
           </a:xfrm>
           <a:prstGeom prst="rect">
             <a:avLst/>
@@ -5435,7 +5422,7 @@
         <p:spPr>
           <a:xfrm>
             <a:off x="164880" y="2162520"/>
-            <a:ext cx="1418040" cy="1500480"/>
+            <a:ext cx="1417320" cy="1499760"/>
           </a:xfrm>
           <a:prstGeom prst="rect">
             <a:avLst/>
@@ -5454,7 +5441,7 @@
         <p:spPr>
           <a:xfrm>
             <a:off x="1620000" y="216000"/>
-            <a:ext cx="8098920" cy="934920"/>
+            <a:ext cx="8098200" cy="934200"/>
           </a:xfrm>
           <a:prstGeom prst="rect">
             <a:avLst/>
@@ -5505,7 +5492,7 @@
         <p:spPr>
           <a:xfrm>
             <a:off x="612000" y="743760"/>
-            <a:ext cx="4210920" cy="3287160"/>
+            <a:ext cx="4210200" cy="3286440"/>
           </a:xfrm>
           <a:prstGeom prst="rect">
             <a:avLst/>
@@ -5526,7 +5513,7 @@
             <a:normAutofit/>
           </a:bodyPr>
           <a:p>
-            <a:pPr marL="432000" indent="-322920">
+            <a:pPr marL="432000" indent="-322200">
               <a:lnSpc>
                 <a:spcPct val="100000"/>
               </a:lnSpc>
@@ -5555,7 +5542,7 @@
             </a:endParaRPr>
           </a:p>
           <a:p>
-            <a:pPr lvl="1" marL="864000" indent="-322920">
+            <a:pPr lvl="1" marL="864000" indent="-322200">
               <a:lnSpc>
                 <a:spcPct val="100000"/>
               </a:lnSpc>
@@ -5584,7 +5571,7 @@
             </a:endParaRPr>
           </a:p>
           <a:p>
-            <a:pPr lvl="1" marL="864000" indent="-322920">
+            <a:pPr lvl="1" marL="864000" indent="-322200">
               <a:lnSpc>
                 <a:spcPct val="100000"/>
               </a:lnSpc>
@@ -5640,7 +5627,7 @@
         <p:spPr>
           <a:xfrm>
             <a:off x="176400" y="3816000"/>
-            <a:ext cx="1478520" cy="1498680"/>
+            <a:ext cx="1477800" cy="1497960"/>
           </a:xfrm>
           <a:prstGeom prst="rect">
             <a:avLst/>
@@ -5663,7 +5650,7 @@
         <p:spPr>
           <a:xfrm>
             <a:off x="1728000" y="2160000"/>
-            <a:ext cx="1582920" cy="1582920"/>
+            <a:ext cx="1582200" cy="1582200"/>
           </a:xfrm>
           <a:prstGeom prst="rect">
             <a:avLst/>
@@ -5686,7 +5673,7 @@
         <p:spPr>
           <a:xfrm>
             <a:off x="2344320" y="1819080"/>
-            <a:ext cx="3846600" cy="3579840"/>
+            <a:ext cx="3845880" cy="3579120"/>
           </a:xfrm>
           <a:prstGeom prst="rect">
             <a:avLst/>
@@ -5709,7 +5696,7 @@
         <p:spPr>
           <a:xfrm>
             <a:off x="6165720" y="1847520"/>
-            <a:ext cx="3913200" cy="3551400"/>
+            <a:ext cx="3912480" cy="3550680"/>
           </a:xfrm>
           <a:prstGeom prst="rect">
             <a:avLst/>
@@ -5728,7 +5715,7 @@
         <p:spPr>
           <a:xfrm>
             <a:off x="2736360" y="5400000"/>
-            <a:ext cx="3092040" cy="315000"/>
+            <a:ext cx="3091320" cy="314280"/>
           </a:xfrm>
           <a:prstGeom prst="rect">
             <a:avLst/>
@@ -5779,7 +5766,7 @@
         <p:spPr>
           <a:xfrm>
             <a:off x="6955200" y="5393520"/>
-            <a:ext cx="2517480" cy="315000"/>
+            <a:ext cx="2516760" cy="314280"/>
           </a:xfrm>
           <a:prstGeom prst="rect">
             <a:avLst/>
@@ -5864,7 +5851,7 @@
         <p:spPr>
           <a:xfrm>
             <a:off x="2584440" y="2592360"/>
-            <a:ext cx="5550840" cy="1282680"/>
+            <a:ext cx="5550120" cy="1281960"/>
           </a:xfrm>
           <a:prstGeom prst="rect">
             <a:avLst/>
@@ -5889,7 +5876,7 @@
         <p:spPr>
           <a:xfrm>
             <a:off x="1620000" y="216000"/>
-            <a:ext cx="8098920" cy="934920"/>
+            <a:ext cx="8098200" cy="934200"/>
           </a:xfrm>
           <a:prstGeom prst="rect">
             <a:avLst/>
@@ -5940,7 +5927,7 @@
         <p:spPr>
           <a:xfrm>
             <a:off x="1440000" y="1152000"/>
-            <a:ext cx="8098920" cy="3287160"/>
+            <a:ext cx="8098200" cy="3286440"/>
           </a:xfrm>
           <a:prstGeom prst="rect">
             <a:avLst/>
@@ -5961,7 +5948,7 @@
             <a:normAutofit/>
           </a:bodyPr>
           <a:p>
-            <a:pPr marL="432000" indent="-322920">
+            <a:pPr marL="432000" indent="-322200">
               <a:lnSpc>
                 <a:spcPct val="100000"/>
               </a:lnSpc>
@@ -6000,7 +5987,7 @@
         <p:spPr>
           <a:xfrm>
             <a:off x="3050640" y="3528000"/>
-            <a:ext cx="620280" cy="574920"/>
+            <a:ext cx="619560" cy="574200"/>
           </a:xfrm>
           <a:custGeom>
             <a:avLst/>
@@ -7613,7 +7600,7 @@
         <p:spPr>
           <a:xfrm>
             <a:off x="3050640" y="3528000"/>
-            <a:ext cx="620280" cy="574920"/>
+            <a:ext cx="619560" cy="574200"/>
           </a:xfrm>
           <a:custGeom>
             <a:avLst/>
@@ -9226,7 +9213,7 @@
         <p:spPr>
           <a:xfrm>
             <a:off x="5282640" y="3528000"/>
-            <a:ext cx="620280" cy="574920"/>
+            <a:ext cx="619560" cy="574200"/>
           </a:xfrm>
           <a:custGeom>
             <a:avLst/>
@@ -10869,7 +10856,7 @@
         <p:spPr>
           <a:xfrm>
             <a:off x="1620000" y="216000"/>
-            <a:ext cx="8098920" cy="934920"/>
+            <a:ext cx="8098200" cy="934200"/>
           </a:xfrm>
           <a:prstGeom prst="rect">
             <a:avLst/>
@@ -10920,7 +10907,7 @@
         <p:spPr>
           <a:xfrm>
             <a:off x="1440000" y="1152000"/>
-            <a:ext cx="8098920" cy="3287160"/>
+            <a:ext cx="8098200" cy="3286440"/>
           </a:xfrm>
           <a:prstGeom prst="rect">
             <a:avLst/>
@@ -10941,7 +10928,7 @@
             <a:normAutofit/>
           </a:bodyPr>
           <a:p>
-            <a:pPr marL="432000" indent="-322920">
+            <a:pPr marL="432000" indent="-322200">
               <a:lnSpc>
                 <a:spcPct val="100000"/>
               </a:lnSpc>
@@ -10984,7 +10971,7 @@
         <p:spPr>
           <a:xfrm>
             <a:off x="144000" y="1728000"/>
-            <a:ext cx="4179960" cy="3084840"/>
+            <a:ext cx="4179240" cy="3084120"/>
           </a:xfrm>
           <a:prstGeom prst="rect">
             <a:avLst/>
@@ -11007,7 +10994,7 @@
         <p:spPr>
           <a:xfrm>
             <a:off x="5760000" y="1764000"/>
-            <a:ext cx="4151520" cy="3056040"/>
+            <a:ext cx="4150800" cy="3055320"/>
           </a:xfrm>
           <a:prstGeom prst="rect">
             <a:avLst/>
@@ -11026,7 +11013,7 @@
         <p:spPr>
           <a:xfrm>
             <a:off x="4716000" y="3132000"/>
-            <a:ext cx="495000" cy="315000"/>
+            <a:ext cx="494280" cy="314280"/>
           </a:xfrm>
           <a:prstGeom prst="rect">
             <a:avLst/>
@@ -11087,7 +11074,7 @@
         <p:spPr>
           <a:xfrm>
             <a:off x="4176000" y="2808000"/>
-            <a:ext cx="1647360" cy="315000"/>
+            <a:ext cx="1646640" cy="314280"/>
           </a:xfrm>
           <a:prstGeom prst="rect">
             <a:avLst/>
@@ -11168,7 +11155,7 @@
         <p:spPr>
           <a:xfrm>
             <a:off x="1620000" y="216000"/>
-            <a:ext cx="8098920" cy="934920"/>
+            <a:ext cx="8098200" cy="934200"/>
           </a:xfrm>
           <a:prstGeom prst="rect">
             <a:avLst/>
@@ -11223,7 +11210,7 @@
         <p:spPr>
           <a:xfrm>
             <a:off x="1548000" y="1092600"/>
-            <a:ext cx="8350920" cy="4090320"/>
+            <a:ext cx="8350200" cy="4089600"/>
           </a:xfrm>
           <a:prstGeom prst="rect">
             <a:avLst/>
@@ -11276,7 +11263,7 @@
         <p:spPr>
           <a:xfrm>
             <a:off x="627480" y="1492560"/>
-            <a:ext cx="9199440" cy="3540960"/>
+            <a:ext cx="9198720" cy="3540240"/>
           </a:xfrm>
           <a:prstGeom prst="rect">
             <a:avLst/>
@@ -11295,7 +11282,7 @@
         <p:spPr>
           <a:xfrm>
             <a:off x="1620000" y="216000"/>
-            <a:ext cx="8098920" cy="934920"/>
+            <a:ext cx="8098200" cy="934200"/>
           </a:xfrm>
           <a:prstGeom prst="rect">
             <a:avLst/>
@@ -11346,7 +11333,7 @@
         <p:spPr>
           <a:xfrm>
             <a:off x="1440000" y="1152000"/>
-            <a:ext cx="8098920" cy="3287160"/>
+            <a:ext cx="8098200" cy="3286440"/>
           </a:xfrm>
           <a:prstGeom prst="rect">
             <a:avLst/>
@@ -11367,7 +11354,7 @@
             <a:normAutofit/>
           </a:bodyPr>
           <a:p>
-            <a:pPr marL="432000" indent="-322920">
+            <a:pPr marL="432000" indent="-322200">
               <a:lnSpc>
                 <a:spcPct val="100000"/>
               </a:lnSpc>
@@ -11406,7 +11393,7 @@
         <p:spPr>
           <a:xfrm>
             <a:off x="1807920" y="5011920"/>
-            <a:ext cx="3270240" cy="315000"/>
+            <a:ext cx="3269520" cy="314280"/>
           </a:xfrm>
           <a:prstGeom prst="rect">
             <a:avLst/>
@@ -11457,7 +11444,7 @@
         <p:spPr>
           <a:xfrm>
             <a:off x="5944680" y="5011920"/>
-            <a:ext cx="2685240" cy="315000"/>
+            <a:ext cx="2684520" cy="314280"/>
           </a:xfrm>
           <a:prstGeom prst="rect">
             <a:avLst/>
@@ -11538,7 +11525,7 @@
         <p:spPr>
           <a:xfrm>
             <a:off x="1620000" y="216000"/>
-            <a:ext cx="8098920" cy="934920"/>
+            <a:ext cx="8098200" cy="934200"/>
           </a:xfrm>
           <a:prstGeom prst="rect">
             <a:avLst/>
@@ -11589,7 +11576,7 @@
         <p:spPr>
           <a:xfrm>
             <a:off x="2372400" y="2304000"/>
-            <a:ext cx="2019240" cy="2049840"/>
+            <a:ext cx="2018520" cy="2049120"/>
           </a:xfrm>
           <a:prstGeom prst="rect">
             <a:avLst/>
@@ -11617,7 +11604,11 @@
             </a:pPr>
             <a:r>
               <a:rPr b="1" lang="en-AU" sz="1000" spc="-1" strike="noStrike">
+                <a:solidFill>
+                  <a:srgbClr val="000000"/>
+                </a:solidFill>
                 <a:latin typeface="Arial"/>
+                <a:ea typeface="DejaVu Sans"/>
               </a:rPr>
               <a:t>For Data Augmentation</a:t>
             </a:r>
@@ -11633,7 +11624,11 @@
             </a:pPr>
             <a:r>
               <a:rPr b="1" lang="en-AU" sz="1000" spc="-1" strike="noStrike">
+                <a:solidFill>
+                  <a:srgbClr val="000000"/>
+                </a:solidFill>
                 <a:latin typeface="Arial"/>
+                <a:ea typeface="DejaVu Sans"/>
               </a:rPr>
               <a:t>1. Back Translation</a:t>
             </a:r>
@@ -11649,13 +11644,21 @@
             </a:pPr>
             <a:r>
               <a:rPr b="0" lang="en-AU" sz="1000" spc="-1" strike="noStrike">
+                <a:solidFill>
+                  <a:srgbClr val="000000"/>
+                </a:solidFill>
                 <a:latin typeface="Arial"/>
+                <a:ea typeface="DejaVu Sans"/>
               </a:rPr>
               <a:t>2. </a:t>
             </a:r>
             <a:r>
               <a:rPr b="1" lang="en-AU" sz="1000" spc="-1" strike="noStrike">
+                <a:solidFill>
+                  <a:srgbClr val="000000"/>
+                </a:solidFill>
                 <a:latin typeface="Arial"/>
+                <a:ea typeface="DejaVu Sans"/>
               </a:rPr>
               <a:t>Synonyms Substitution</a:t>
             </a:r>
@@ -11671,13 +11674,21 @@
             </a:pPr>
             <a:r>
               <a:rPr b="0" lang="en-AU" sz="1000" spc="-1" strike="noStrike">
+                <a:solidFill>
+                  <a:srgbClr val="000000"/>
+                </a:solidFill>
                 <a:latin typeface="Arial"/>
+                <a:ea typeface="DejaVu Sans"/>
               </a:rPr>
               <a:t>3. </a:t>
             </a:r>
             <a:r>
               <a:rPr b="1" lang="en-AU" sz="1000" spc="-1" strike="noStrike">
+                <a:solidFill>
+                  <a:srgbClr val="000000"/>
+                </a:solidFill>
                 <a:latin typeface="Arial"/>
+                <a:ea typeface="DejaVu Sans"/>
               </a:rPr>
               <a:t>Spelling</a:t>
             </a:r>
@@ -11706,7 +11717,7 @@
         <p:spPr>
           <a:xfrm>
             <a:off x="5112000" y="2232000"/>
-            <a:ext cx="3891240" cy="3448800"/>
+            <a:ext cx="3890520" cy="3448080"/>
           </a:xfrm>
           <a:prstGeom prst="rect">
             <a:avLst/>
@@ -11734,7 +11745,11 @@
             </a:pPr>
             <a:r>
               <a:rPr b="1" lang="en-AU" sz="1000" spc="-1" strike="noStrike">
+                <a:solidFill>
+                  <a:srgbClr val="000000"/>
+                </a:solidFill>
                 <a:latin typeface="Arial"/>
+                <a:ea typeface="DejaVu Sans"/>
               </a:rPr>
               <a:t>For Training Model</a:t>
             </a:r>
@@ -11750,7 +11765,11 @@
             </a:pPr>
             <a:r>
               <a:rPr b="1" lang="en-AU" sz="1000" spc="-1" strike="noStrike">
+                <a:solidFill>
+                  <a:srgbClr val="000000"/>
+                </a:solidFill>
                 <a:latin typeface="Arial"/>
+                <a:ea typeface="DejaVu Sans"/>
               </a:rPr>
               <a:t>1. One Cycle Policy</a:t>
             </a:r>
@@ -11766,7 +11785,11 @@
             </a:pPr>
             <a:r>
               <a:rPr b="1" lang="en-AU" sz="1000" spc="-1" strike="noStrike">
+                <a:solidFill>
+                  <a:srgbClr val="000000"/>
+                </a:solidFill>
                 <a:latin typeface="Arial"/>
+                <a:ea typeface="DejaVu Sans"/>
               </a:rPr>
               <a:t>2. Progressive Model Training</a:t>
             </a:r>
@@ -11782,7 +11805,11 @@
             </a:pPr>
             <a:r>
               <a:rPr b="1" lang="en-AU" sz="1000" spc="-1" strike="noStrike">
+                <a:solidFill>
+                  <a:srgbClr val="000000"/>
+                </a:solidFill>
                 <a:latin typeface="Arial"/>
+                <a:ea typeface="DejaVu Sans"/>
               </a:rPr>
               <a:t>3. Transfer Learning</a:t>
             </a:r>
@@ -11798,7 +11825,11 @@
             </a:pPr>
             <a:r>
               <a:rPr b="1" lang="en-AU" sz="1000" spc="-1" strike="noStrike">
+                <a:solidFill>
+                  <a:srgbClr val="000000"/>
+                </a:solidFill>
                 <a:latin typeface="Arial"/>
+                <a:ea typeface="DejaVu Sans"/>
               </a:rPr>
               <a:t>4. Learning Rate Finding</a:t>
             </a:r>
@@ -11814,7 +11845,11 @@
             </a:pPr>
             <a:r>
               <a:rPr b="1" lang="en-AU" sz="1000" spc="-1" strike="noStrike">
+                <a:solidFill>
+                  <a:srgbClr val="000000"/>
+                </a:solidFill>
                 <a:latin typeface="Arial"/>
+                <a:ea typeface="DejaVu Sans"/>
               </a:rPr>
               <a:t>5. Mixed Precision or Half Precision</a:t>
             </a:r>
@@ -11873,7 +11908,7 @@
         <p:spPr>
           <a:xfrm>
             <a:off x="1620000" y="216000"/>
-            <a:ext cx="8098920" cy="934920"/>
+            <a:ext cx="8098200" cy="934200"/>
           </a:xfrm>
           <a:prstGeom prst="rect">
             <a:avLst/>
@@ -11924,7 +11959,7 @@
         <p:spPr>
           <a:xfrm>
             <a:off x="1850040" y="1224000"/>
-            <a:ext cx="4844880" cy="3112920"/>
+            <a:ext cx="4844160" cy="3112200"/>
           </a:xfrm>
           <a:prstGeom prst="rect">
             <a:avLst/>
@@ -11950,7 +11985,7 @@
                 <a:spcPct val="100000"/>
               </a:lnSpc>
             </a:pPr>
-            <a:endParaRPr b="0" lang="en-AU" sz="2400" spc="-1" strike="noStrike">
+            <a:endParaRPr b="0" lang="en-AU" sz="1800" spc="-1" strike="noStrike">
               <a:latin typeface="Arial"/>
             </a:endParaRPr>
           </a:p>
@@ -12144,8 +12179,8 @@
         </p:nvSpPr>
         <p:spPr>
           <a:xfrm rot="16200000">
-            <a:off x="7391520" y="1219320"/>
-            <a:ext cx="432360" cy="447120"/>
+            <a:off x="7391520" y="1220040"/>
+            <a:ext cx="431640" cy="446400"/>
           </a:xfrm>
           <a:custGeom>
             <a:avLst/>
@@ -14444,7 +14479,7 @@
         <p:spPr>
           <a:xfrm>
             <a:off x="1332000" y="792000"/>
-            <a:ext cx="8098920" cy="3287160"/>
+            <a:ext cx="8098200" cy="3286440"/>
           </a:xfrm>
           <a:prstGeom prst="rect">
             <a:avLst/>
@@ -14465,7 +14500,7 @@
             <a:normAutofit/>
           </a:bodyPr>
           <a:p>
-            <a:pPr marL="432000" indent="-322920">
+            <a:pPr marL="432000" indent="-322200">
               <a:lnSpc>
                 <a:spcPct val="100000"/>
               </a:lnSpc>
@@ -14494,7 +14529,7 @@
             </a:endParaRPr>
           </a:p>
           <a:p>
-            <a:pPr marL="432000" indent="-322920">
+            <a:pPr marL="432000" indent="-322200">
               <a:lnSpc>
                 <a:spcPct val="100000"/>
               </a:lnSpc>
@@ -14523,7 +14558,7 @@
             </a:endParaRPr>
           </a:p>
           <a:p>
-            <a:pPr marL="432000" indent="-322920">
+            <a:pPr marL="432000" indent="-322200">
               <a:lnSpc>
                 <a:spcPct val="100000"/>
               </a:lnSpc>
@@ -14562,7 +14597,7 @@
         <p:spPr>
           <a:xfrm>
             <a:off x="1620000" y="216000"/>
-            <a:ext cx="8098920" cy="934920"/>
+            <a:ext cx="8098200" cy="934200"/>
           </a:xfrm>
           <a:prstGeom prst="rect">
             <a:avLst/>
@@ -14620,7 +14655,7 @@
         <p:spPr>
           <a:xfrm>
             <a:off x="1368000" y="1764000"/>
-            <a:ext cx="8566920" cy="3852360"/>
+            <a:ext cx="8566200" cy="3851640"/>
           </a:xfrm>
           <a:prstGeom prst="rect">
             <a:avLst/>
@@ -14669,7 +14704,7 @@
         <p:spPr>
           <a:xfrm>
             <a:off x="1332000" y="1368000"/>
-            <a:ext cx="8098920" cy="3287160"/>
+            <a:ext cx="8098200" cy="3286440"/>
           </a:xfrm>
           <a:prstGeom prst="rect">
             <a:avLst/>
@@ -14690,7 +14725,7 @@
             <a:normAutofit fontScale="91000"/>
           </a:bodyPr>
           <a:p>
-            <a:pPr marL="432000" indent="-322920">
+            <a:pPr marL="432000" indent="-322200">
               <a:lnSpc>
                 <a:spcPct val="100000"/>
               </a:lnSpc>
@@ -14719,7 +14754,7 @@
             </a:endParaRPr>
           </a:p>
           <a:p>
-            <a:pPr marL="432000" indent="-322920">
+            <a:pPr marL="432000" indent="-322200">
               <a:lnSpc>
                 <a:spcPct val="100000"/>
               </a:lnSpc>
@@ -14748,7 +14783,7 @@
             </a:endParaRPr>
           </a:p>
           <a:p>
-            <a:pPr marL="432000" indent="-322920">
+            <a:pPr marL="432000" indent="-322200">
               <a:lnSpc>
                 <a:spcPct val="100000"/>
               </a:lnSpc>
@@ -14777,7 +14812,7 @@
             </a:endParaRPr>
           </a:p>
           <a:p>
-            <a:pPr marL="432000" indent="-322920">
+            <a:pPr marL="432000" indent="-322200">
               <a:lnSpc>
                 <a:spcPct val="100000"/>
               </a:lnSpc>
@@ -14806,7 +14841,7 @@
             </a:endParaRPr>
           </a:p>
           <a:p>
-            <a:pPr marL="432000" indent="-322920">
+            <a:pPr marL="432000" indent="-322200">
               <a:lnSpc>
                 <a:spcPct val="100000"/>
               </a:lnSpc>
@@ -14835,7 +14870,7 @@
             </a:endParaRPr>
           </a:p>
           <a:p>
-            <a:pPr marL="432000" indent="-322920">
+            <a:pPr marL="432000" indent="-322200">
               <a:lnSpc>
                 <a:spcPct val="100000"/>
               </a:lnSpc>
@@ -14864,7 +14899,7 @@
             </a:endParaRPr>
           </a:p>
           <a:p>
-            <a:pPr marL="432000" indent="-322920">
+            <a:pPr marL="432000" indent="-322200">
               <a:lnSpc>
                 <a:spcPct val="100000"/>
               </a:lnSpc>
@@ -14893,7 +14928,7 @@
             </a:endParaRPr>
           </a:p>
           <a:p>
-            <a:pPr marL="432000" indent="-322920">
+            <a:pPr marL="432000" indent="-322200">
               <a:lnSpc>
                 <a:spcPct val="100000"/>
               </a:lnSpc>
@@ -14922,7 +14957,7 @@
             </a:endParaRPr>
           </a:p>
           <a:p>
-            <a:pPr marL="432000" indent="-322920">
+            <a:pPr marL="432000" indent="-322200">
               <a:lnSpc>
                 <a:spcPct val="100000"/>
               </a:lnSpc>
@@ -14951,7 +14986,7 @@
             </a:endParaRPr>
           </a:p>
           <a:p>
-            <a:pPr marL="432000" indent="-322920">
+            <a:pPr marL="432000" indent="-322200">
               <a:lnSpc>
                 <a:spcPct val="100000"/>
               </a:lnSpc>
@@ -14990,7 +15025,7 @@
         <p:spPr>
           <a:xfrm>
             <a:off x="1620000" y="216000"/>
-            <a:ext cx="8098920" cy="934920"/>
+            <a:ext cx="8098200" cy="934200"/>
           </a:xfrm>
           <a:prstGeom prst="rect">
             <a:avLst/>
@@ -15048,7 +15083,7 @@
         <p:spPr>
           <a:xfrm>
             <a:off x="3564000" y="998640"/>
-            <a:ext cx="5902920" cy="4646520"/>
+            <a:ext cx="5902200" cy="4645800"/>
           </a:xfrm>
           <a:prstGeom prst="rect">
             <a:avLst/>
@@ -15097,7 +15132,7 @@
         <p:spPr>
           <a:xfrm>
             <a:off x="1620000" y="216000"/>
-            <a:ext cx="8098920" cy="934920"/>
+            <a:ext cx="8098200" cy="934200"/>
           </a:xfrm>
           <a:prstGeom prst="rect">
             <a:avLst/>
@@ -15151,7 +15186,7 @@
         <p:spPr>
           <a:xfrm>
             <a:off x="1404000" y="1463760"/>
-            <a:ext cx="8098920" cy="3287160"/>
+            <a:ext cx="8098200" cy="3286440"/>
           </a:xfrm>
           <a:prstGeom prst="rect">
             <a:avLst/>
@@ -15172,7 +15207,7 @@
             <a:normAutofit fontScale="47000"/>
           </a:bodyPr>
           <a:p>
-            <a:pPr marL="432000" indent="-322920">
+            <a:pPr marL="432000" indent="-322200">
               <a:lnSpc>
                 <a:spcPct val="100000"/>
               </a:lnSpc>
@@ -15201,7 +15236,7 @@
             </a:endParaRPr>
           </a:p>
           <a:p>
-            <a:pPr marL="432000" indent="-322920">
+            <a:pPr marL="432000" indent="-322200">
               <a:lnSpc>
                 <a:spcPct val="100000"/>
               </a:lnSpc>
@@ -15230,7 +15265,7 @@
             </a:endParaRPr>
           </a:p>
           <a:p>
-            <a:pPr lvl="1" marL="864000" indent="-322920">
+            <a:pPr lvl="1" marL="864000" indent="-322200">
               <a:lnSpc>
                 <a:spcPct val="100000"/>
               </a:lnSpc>
@@ -15259,7 +15294,7 @@
             </a:endParaRPr>
           </a:p>
           <a:p>
-            <a:pPr lvl="1" marL="864000" indent="-322920">
+            <a:pPr lvl="1" marL="864000" indent="-322200">
               <a:lnSpc>
                 <a:spcPct val="100000"/>
               </a:lnSpc>
@@ -15288,7 +15323,7 @@
             </a:endParaRPr>
           </a:p>
           <a:p>
-            <a:pPr marL="432000" indent="-322920">
+            <a:pPr marL="432000" indent="-322200">
               <a:lnSpc>
                 <a:spcPct val="100000"/>
               </a:lnSpc>
@@ -15317,7 +15352,7 @@
             </a:endParaRPr>
           </a:p>
           <a:p>
-            <a:pPr lvl="1" marL="864000" indent="-322920">
+            <a:pPr lvl="1" marL="864000" indent="-322200">
               <a:lnSpc>
                 <a:spcPct val="100000"/>
               </a:lnSpc>
@@ -15346,7 +15381,7 @@
             </a:endParaRPr>
           </a:p>
           <a:p>
-            <a:pPr lvl="1" marL="864000" indent="-322920">
+            <a:pPr lvl="1" marL="864000" indent="-322200">
               <a:lnSpc>
                 <a:spcPct val="100000"/>
               </a:lnSpc>
@@ -15375,7 +15410,7 @@
             </a:endParaRPr>
           </a:p>
           <a:p>
-            <a:pPr lvl="1" marL="864000" indent="-322920">
+            <a:pPr lvl="1" marL="864000" indent="-322200">
               <a:lnSpc>
                 <a:spcPct val="100000"/>
               </a:lnSpc>
@@ -15404,7 +15439,7 @@
             </a:endParaRPr>
           </a:p>
           <a:p>
-            <a:pPr lvl="1" marL="864000" indent="-322920">
+            <a:pPr lvl="1" marL="864000" indent="-322200">
               <a:lnSpc>
                 <a:spcPct val="100000"/>
               </a:lnSpc>
@@ -15433,7 +15468,7 @@
             </a:endParaRPr>
           </a:p>
           <a:p>
-            <a:pPr lvl="1" marL="864000" indent="-322920">
+            <a:pPr lvl="1" marL="864000" indent="-322200">
               <a:lnSpc>
                 <a:spcPct val="100000"/>
               </a:lnSpc>
@@ -15462,7 +15497,7 @@
             </a:endParaRPr>
           </a:p>
           <a:p>
-            <a:pPr marL="432000" indent="-322920">
+            <a:pPr marL="432000" indent="-322200">
               <a:lnSpc>
                 <a:spcPct val="100000"/>
               </a:lnSpc>
@@ -15491,7 +15526,7 @@
             </a:endParaRPr>
           </a:p>
           <a:p>
-            <a:pPr lvl="1" marL="864000" indent="-322920">
+            <a:pPr lvl="1" marL="864000" indent="-322200">
               <a:lnSpc>
                 <a:spcPct val="100000"/>
               </a:lnSpc>
@@ -15520,7 +15555,7 @@
             </a:endParaRPr>
           </a:p>
           <a:p>
-            <a:pPr lvl="1" marL="864000" indent="-322920">
+            <a:pPr lvl="1" marL="864000" indent="-322200">
               <a:lnSpc>
                 <a:spcPct val="100000"/>
               </a:lnSpc>
@@ -15549,7 +15584,7 @@
             </a:endParaRPr>
           </a:p>
           <a:p>
-            <a:pPr lvl="1" marL="864000" indent="-322920">
+            <a:pPr lvl="1" marL="864000" indent="-322200">
               <a:lnSpc>
                 <a:spcPct val="100000"/>
               </a:lnSpc>
@@ -15592,7 +15627,7 @@
         <p:spPr>
           <a:xfrm>
             <a:off x="5256000" y="2456640"/>
-            <a:ext cx="4465800" cy="1646280"/>
+            <a:ext cx="4465080" cy="1645560"/>
           </a:xfrm>
           <a:prstGeom prst="rect">
             <a:avLst/>
@@ -15615,7 +15650,7 @@
         <p:spPr>
           <a:xfrm>
             <a:off x="8280000" y="1418400"/>
-            <a:ext cx="1646280" cy="884520"/>
+            <a:ext cx="1645560" cy="883800"/>
           </a:xfrm>
           <a:prstGeom prst="rect">
             <a:avLst/>
@@ -15668,7 +15703,7 @@
         <p:spPr>
           <a:xfrm>
             <a:off x="4392000" y="1854720"/>
-            <a:ext cx="5544000" cy="1960200"/>
+            <a:ext cx="5543280" cy="1959480"/>
           </a:xfrm>
           <a:prstGeom prst="rect">
             <a:avLst/>
@@ -15687,7 +15722,7 @@
         <p:spPr>
           <a:xfrm>
             <a:off x="1620000" y="216000"/>
-            <a:ext cx="8098920" cy="934920"/>
+            <a:ext cx="8098200" cy="934200"/>
           </a:xfrm>
           <a:prstGeom prst="rect">
             <a:avLst/>
@@ -15738,7 +15773,7 @@
         <p:spPr>
           <a:xfrm>
             <a:off x="1116000" y="1247760"/>
-            <a:ext cx="8098920" cy="3287160"/>
+            <a:ext cx="8098200" cy="3286440"/>
           </a:xfrm>
           <a:prstGeom prst="rect">
             <a:avLst/>
@@ -15759,7 +15794,7 @@
             <a:normAutofit/>
           </a:bodyPr>
           <a:p>
-            <a:pPr marL="432000" indent="-322920">
+            <a:pPr marL="432000" indent="-322200">
               <a:lnSpc>
                 <a:spcPct val="100000"/>
               </a:lnSpc>
@@ -15801,7 +15836,7 @@
             </a:endParaRPr>
           </a:p>
           <a:p>
-            <a:pPr marL="432000" indent="-322920">
+            <a:pPr marL="432000" indent="-322200">
               <a:lnSpc>
                 <a:spcPct val="100000"/>
               </a:lnSpc>
@@ -15830,7 +15865,7 @@
             </a:endParaRPr>
           </a:p>
           <a:p>
-            <a:pPr lvl="1" marL="864000" indent="-322920">
+            <a:pPr lvl="1" marL="864000" indent="-322200">
               <a:lnSpc>
                 <a:spcPct val="100000"/>
               </a:lnSpc>
@@ -15859,7 +15894,7 @@
             </a:endParaRPr>
           </a:p>
           <a:p>
-            <a:pPr lvl="1" marL="864000" indent="-322920">
+            <a:pPr lvl="1" marL="864000" indent="-322200">
               <a:lnSpc>
                 <a:spcPct val="100000"/>
               </a:lnSpc>
@@ -15888,7 +15923,7 @@
             </a:endParaRPr>
           </a:p>
           <a:p>
-            <a:pPr lvl="1" marL="864000" indent="-322920">
+            <a:pPr lvl="1" marL="864000" indent="-322200">
               <a:lnSpc>
                 <a:spcPct val="100000"/>
               </a:lnSpc>
@@ -15927,7 +15962,7 @@
         <p:spPr>
           <a:xfrm>
             <a:off x="3888000" y="4015080"/>
-            <a:ext cx="5758920" cy="1167840"/>
+            <a:ext cx="5758200" cy="1167120"/>
           </a:xfrm>
           <a:prstGeom prst="rect">
             <a:avLst/>
@@ -16088,7 +16123,7 @@
         <p:spPr>
           <a:xfrm>
             <a:off x="1620000" y="216000"/>
-            <a:ext cx="8098920" cy="934920"/>
+            <a:ext cx="8098200" cy="934200"/>
           </a:xfrm>
           <a:prstGeom prst="rect">
             <a:avLst/>
@@ -16139,7 +16174,7 @@
         <p:spPr>
           <a:xfrm>
             <a:off x="1440000" y="1944000"/>
-            <a:ext cx="8098920" cy="3287160"/>
+            <a:ext cx="8098200" cy="3286440"/>
           </a:xfrm>
           <a:prstGeom prst="rect">
             <a:avLst/>
@@ -16160,7 +16195,7 @@
             <a:normAutofit/>
           </a:bodyPr>
           <a:p>
-            <a:pPr marL="432000" indent="-322920">
+            <a:pPr marL="432000" indent="-322200">
               <a:lnSpc>
                 <a:spcPct val="100000"/>
               </a:lnSpc>
@@ -16189,7 +16224,7 @@
             </a:endParaRPr>
           </a:p>
           <a:p>
-            <a:pPr marL="432000" indent="-322920">
+            <a:pPr marL="432000" indent="-322200">
               <a:lnSpc>
                 <a:spcPct val="100000"/>
               </a:lnSpc>
@@ -16218,7 +16253,7 @@
             </a:endParaRPr>
           </a:p>
           <a:p>
-            <a:pPr marL="432000" indent="-322920">
+            <a:pPr marL="432000" indent="-322200">
               <a:lnSpc>
                 <a:spcPct val="100000"/>
               </a:lnSpc>
@@ -16247,7 +16282,7 @@
             </a:endParaRPr>
           </a:p>
           <a:p>
-            <a:pPr lvl="1" marL="864000" indent="-322920">
+            <a:pPr lvl="1" marL="864000" indent="-322200">
               <a:lnSpc>
                 <a:spcPct val="100000"/>
               </a:lnSpc>
@@ -16276,7 +16311,7 @@
             </a:endParaRPr>
           </a:p>
           <a:p>
-            <a:pPr lvl="1" marL="864000" indent="-322920">
+            <a:pPr lvl="1" marL="864000" indent="-322200">
               <a:lnSpc>
                 <a:spcPct val="100000"/>
               </a:lnSpc>
@@ -16305,7 +16340,7 @@
             </a:endParaRPr>
           </a:p>
           <a:p>
-            <a:pPr lvl="1" marL="864000" indent="-322920">
+            <a:pPr lvl="1" marL="864000" indent="-322200">
               <a:lnSpc>
                 <a:spcPct val="100000"/>
               </a:lnSpc>
@@ -16343,8 +16378,8 @@
         </p:nvSpPr>
         <p:spPr>
           <a:xfrm>
-            <a:off x="6192000" y="1440000"/>
-            <a:ext cx="2439720" cy="315000"/>
+            <a:off x="5256000" y="1485720"/>
+            <a:ext cx="2808000" cy="314280"/>
           </a:xfrm>
           <a:prstGeom prst="rect">
             <a:avLst/>
@@ -16395,7 +16430,7 @@
         <p:spPr>
           <a:xfrm>
             <a:off x="4824000" y="1837800"/>
-            <a:ext cx="4606920" cy="681120"/>
+            <a:ext cx="4606200" cy="680400"/>
           </a:xfrm>
           <a:prstGeom prst="rect">
             <a:avLst/>
@@ -16449,7 +16484,7 @@
                 <a:latin typeface="Arial"/>
                 <a:ea typeface="DejaVu Sans"/>
               </a:rPr>
-              <a:t> will focus on summarizing data augmentation </a:t>
+              <a:t> will focus on summarising data augmentation </a:t>
             </a:r>
             <a:r>
               <a:rPr b="1" i="1" lang="en-AU" sz="1600" spc="-1" strike="noStrike">
@@ -16486,7 +16521,7 @@
         <p:spPr>
           <a:xfrm>
             <a:off x="5131800" y="3781800"/>
-            <a:ext cx="4227120" cy="1113120"/>
+            <a:ext cx="4226400" cy="1112400"/>
           </a:xfrm>
           <a:prstGeom prst="rect">
             <a:avLst/>
@@ -16540,7 +16575,7 @@
                 <a:latin typeface="Arial"/>
                 <a:ea typeface="DejaVu Sans"/>
               </a:rPr>
-              <a:t> will focus on summarizing data augmentation </a:t>
+              <a:t> will focus on summarising data augmentation </a:t>
             </a:r>
             <a:r>
               <a:rPr b="1" i="1" lang="en-AU" sz="1600" spc="-1" strike="noStrike">
@@ -16576,8 +16611,8 @@
         </p:nvSpPr>
         <p:spPr>
           <a:xfrm rot="3724200">
-            <a:off x="6213600" y="1949760"/>
-            <a:ext cx="2115360" cy="2136600"/>
+            <a:off x="6213600" y="1949400"/>
+            <a:ext cx="2114640" cy="2135880"/>
           </a:xfrm>
           <a:prstGeom prst="swooshArrow">
             <a:avLst>
